--- a/longpkd.pptx
+++ b/longpkd.pptx
@@ -5218,10 +5218,10 @@
                 <c:formatCode>General</c:formatCode>
                 <c:ptCount val="4"/>
                 <c:pt idx="0">
-                  <c:v>2</c:v>
+                  <c:v>1</c:v>
                 </c:pt>
                 <c:pt idx="1">
-                  <c:v>1.5</c:v>
+                  <c:v>1</c:v>
                 </c:pt>
                 <c:pt idx="2">
                   <c:v>1</c:v>
@@ -5289,16 +5289,16 @@
                 <c:formatCode>General</c:formatCode>
                 <c:ptCount val="4"/>
                 <c:pt idx="0">
-                  <c:v>3.5</c:v>
+                  <c:v>2.5</c:v>
                 </c:pt>
                 <c:pt idx="1">
-                  <c:v>2.7</c:v>
+                  <c:v>2</c:v>
                 </c:pt>
                 <c:pt idx="2">
                   <c:v>2</c:v>
                 </c:pt>
                 <c:pt idx="3">
-                  <c:v>3</c:v>
+                  <c:v>2.5</c:v>
                 </c:pt>
               </c:numCache>
             </c:numRef>
@@ -6587,6 +6587,1465 @@
 </p:notesMaster>
 </file>
 
+<file path=ppt/notesSlides/notesSlide1.xml><?xml version="1.0" encoding="utf-8"?>
+<p:notes xmlns:a="http://schemas.openxmlformats.org/drawingml/2006/main" xmlns:r="http://schemas.openxmlformats.org/officeDocument/2006/relationships" xmlns:p="http://schemas.openxmlformats.org/presentationml/2006/main">
+  <p:cSld>
+    <p:spTree>
+      <p:nvGrpSpPr>
+        <p:cNvPr id="1" name=""/>
+        <p:cNvGrpSpPr/>
+        <p:nvPr/>
+      </p:nvGrpSpPr>
+      <p:grpSpPr>
+        <a:xfrm>
+          <a:off x="0" y="0"/>
+          <a:ext cx="0" cy="0"/>
+          <a:chOff x="0" y="0"/>
+          <a:chExt cx="0" cy="0"/>
+        </a:xfrm>
+      </p:grpSpPr>
+      <p:sp>
+        <p:nvSpPr>
+          <p:cNvPr id="2" name="Slide Image Placeholder 1"/>
+          <p:cNvSpPr>
+            <a:spLocks noGrp="1" noRot="1" noChangeAspect="1"/>
+          </p:cNvSpPr>
+          <p:nvPr>
+            <p:ph type="sldImg"/>
+          </p:nvPr>
+        </p:nvSpPr>
+        <p:spPr/>
+      </p:sp>
+      <p:sp>
+        <p:nvSpPr>
+          <p:cNvPr id="3" name="Notes Placeholder 2"/>
+          <p:cNvSpPr>
+            <a:spLocks noGrp="1"/>
+          </p:cNvSpPr>
+          <p:nvPr>
+            <p:ph type="body" idx="1"/>
+          </p:nvPr>
+        </p:nvSpPr>
+        <p:spPr/>
+        <p:txBody>
+          <a:bodyPr/>
+          <a:lstStyle/>
+          <a:p>
+            <a:r>
+              <a:rPr lang="en-US" dirty="0" smtClean="0"/>
+              <a:t>So</a:t>
+            </a:r>
+            <a:r>
+              <a:rPr lang="en-US" baseline="0" dirty="0" smtClean="0"/>
+              <a:t> </a:t>
+            </a:r>
+            <a:r>
+              <a:rPr lang="en-US" baseline="0" dirty="0" err="1" smtClean="0"/>
+              <a:t>im</a:t>
+            </a:r>
+            <a:r>
+              <a:rPr lang="en-US" baseline="0" dirty="0" smtClean="0"/>
+              <a:t> </a:t>
+            </a:r>
+            <a:r>
+              <a:rPr lang="en-US" baseline="0" dirty="0" err="1" smtClean="0"/>
+              <a:t>gonna</a:t>
+            </a:r>
+            <a:r>
+              <a:rPr lang="en-US" baseline="0" dirty="0" smtClean="0"/>
+              <a:t> walk you through 3 section, first one is about me, who am </a:t>
+            </a:r>
+            <a:r>
+              <a:rPr lang="en-US" baseline="0" dirty="0" err="1" smtClean="0"/>
+              <a:t>i</a:t>
+            </a:r>
+            <a:r>
+              <a:rPr lang="en-US" baseline="0" dirty="0" smtClean="0"/>
+              <a:t>, what do I have. Second is my working-process through the fresher course and last one is my goal in the future. Sound good ?</a:t>
+            </a:r>
+            <a:endParaRPr lang="en-US" dirty="0"/>
+          </a:p>
+        </p:txBody>
+      </p:sp>
+      <p:sp>
+        <p:nvSpPr>
+          <p:cNvPr id="4" name="Slide Number Placeholder 3"/>
+          <p:cNvSpPr>
+            <a:spLocks noGrp="1"/>
+          </p:cNvSpPr>
+          <p:nvPr>
+            <p:ph type="sldNum" sz="quarter" idx="10"/>
+          </p:nvPr>
+        </p:nvSpPr>
+        <p:spPr/>
+        <p:txBody>
+          <a:bodyPr/>
+          <a:lstStyle/>
+          <a:p>
+            <a:fld id="{006BE02D-20C0-F840-AFAC-BEA99C74FDC2}" type="slidenum">
+              <a:rPr lang="en-US" smtClean="0"/>
+              <a:pPr/>
+              <a:t>2</a:t>
+            </a:fld>
+            <a:endParaRPr lang="en-US"/>
+          </a:p>
+        </p:txBody>
+      </p:sp>
+    </p:spTree>
+    <p:extLst>
+      <p:ext uri="{BB962C8B-B14F-4D97-AF65-F5344CB8AC3E}">
+        <p14:creationId xmlns:p14="http://schemas.microsoft.com/office/powerpoint/2010/main" val="3897185670"/>
+      </p:ext>
+    </p:extLst>
+  </p:cSld>
+  <p:clrMapOvr>
+    <a:masterClrMapping/>
+  </p:clrMapOvr>
+</p:notes>
+</file>
+
+<file path=ppt/notesSlides/notesSlide10.xml><?xml version="1.0" encoding="utf-8"?>
+<p:notes xmlns:a="http://schemas.openxmlformats.org/drawingml/2006/main" xmlns:r="http://schemas.openxmlformats.org/officeDocument/2006/relationships" xmlns:p="http://schemas.openxmlformats.org/presentationml/2006/main">
+  <p:cSld>
+    <p:spTree>
+      <p:nvGrpSpPr>
+        <p:cNvPr id="1" name=""/>
+        <p:cNvGrpSpPr/>
+        <p:nvPr/>
+      </p:nvGrpSpPr>
+      <p:grpSpPr>
+        <a:xfrm>
+          <a:off x="0" y="0"/>
+          <a:ext cx="0" cy="0"/>
+          <a:chOff x="0" y="0"/>
+          <a:chExt cx="0" cy="0"/>
+        </a:xfrm>
+      </p:grpSpPr>
+      <p:sp>
+        <p:nvSpPr>
+          <p:cNvPr id="2" name="Slide Image Placeholder 1"/>
+          <p:cNvSpPr>
+            <a:spLocks noGrp="1" noRot="1" noChangeAspect="1"/>
+          </p:cNvSpPr>
+          <p:nvPr>
+            <p:ph type="sldImg"/>
+          </p:nvPr>
+        </p:nvSpPr>
+        <p:spPr/>
+      </p:sp>
+      <p:sp>
+        <p:nvSpPr>
+          <p:cNvPr id="3" name="Notes Placeholder 2"/>
+          <p:cNvSpPr>
+            <a:spLocks noGrp="1"/>
+          </p:cNvSpPr>
+          <p:nvPr>
+            <p:ph type="body" idx="1"/>
+          </p:nvPr>
+        </p:nvSpPr>
+        <p:spPr/>
+        <p:txBody>
+          <a:bodyPr/>
+          <a:lstStyle/>
+          <a:p>
+            <a:r>
+              <a:rPr lang="en-US" dirty="0" smtClean="0"/>
+              <a:t>In the</a:t>
+            </a:r>
+            <a:r>
+              <a:rPr lang="en-US" baseline="0" dirty="0" smtClean="0"/>
+              <a:t> future, right now, even I saying that I have a clearly more vision but I don’t really know my long term goal yet. But I think that I has a lots of short-term goal to achieve. And those short-goal would lead me to my final long term goal. At this moment, the thing I want to achieve most is finish the fresher course well and become a truly employee for the company. </a:t>
+            </a:r>
+          </a:p>
+          <a:p>
+            <a:r>
+              <a:rPr lang="en-US" baseline="0" dirty="0" smtClean="0"/>
+              <a:t>I did know a little bit of Japanese back then so the next one is I want to have a N5 certificate in this year as soon as possible.</a:t>
+            </a:r>
+          </a:p>
+          <a:p>
+            <a:r>
+              <a:rPr lang="en-US" baseline="0" dirty="0" smtClean="0"/>
+              <a:t>And then maybe an </a:t>
+            </a:r>
+            <a:r>
+              <a:rPr lang="en-US" baseline="0" dirty="0" err="1" smtClean="0"/>
+              <a:t>toeic</a:t>
+            </a:r>
+            <a:r>
+              <a:rPr lang="en-US" baseline="0" dirty="0" smtClean="0"/>
+              <a:t> certificate next year if possible.</a:t>
+            </a:r>
+          </a:p>
+          <a:p>
+            <a:r>
+              <a:rPr lang="en-US" baseline="0" dirty="0" smtClean="0"/>
+              <a:t>I really want to have and on site of japan someday but my problem was I didn’t have a university diploma, so maybe, just maybe I would try to figure out a way so I could have it.</a:t>
+            </a:r>
+          </a:p>
+          <a:p>
+            <a:r>
+              <a:rPr lang="en-US" baseline="0" dirty="0" smtClean="0"/>
+              <a:t>And </a:t>
+            </a:r>
+            <a:r>
+              <a:rPr lang="en-US" baseline="0" dirty="0" err="1" smtClean="0"/>
+              <a:t>ofcourse</a:t>
+            </a:r>
+            <a:r>
+              <a:rPr lang="en-US" baseline="0" dirty="0" smtClean="0"/>
+              <a:t>, I would working as hard as I could so I would getting my rank up once a year, this is one of my goal too.</a:t>
+            </a:r>
+            <a:endParaRPr lang="en-US" dirty="0"/>
+          </a:p>
+        </p:txBody>
+      </p:sp>
+      <p:sp>
+        <p:nvSpPr>
+          <p:cNvPr id="4" name="Slide Number Placeholder 3"/>
+          <p:cNvSpPr>
+            <a:spLocks noGrp="1"/>
+          </p:cNvSpPr>
+          <p:nvPr>
+            <p:ph type="sldNum" sz="quarter" idx="10"/>
+          </p:nvPr>
+        </p:nvSpPr>
+        <p:spPr/>
+        <p:txBody>
+          <a:bodyPr/>
+          <a:lstStyle/>
+          <a:p>
+            <a:fld id="{006BE02D-20C0-F840-AFAC-BEA99C74FDC2}" type="slidenum">
+              <a:rPr lang="en-US" smtClean="0"/>
+              <a:pPr/>
+              <a:t>11</a:t>
+            </a:fld>
+            <a:endParaRPr lang="en-US"/>
+          </a:p>
+        </p:txBody>
+      </p:sp>
+    </p:spTree>
+    <p:extLst>
+      <p:ext uri="{BB962C8B-B14F-4D97-AF65-F5344CB8AC3E}">
+        <p14:creationId xmlns:p14="http://schemas.microsoft.com/office/powerpoint/2010/main" val="1631622398"/>
+      </p:ext>
+    </p:extLst>
+  </p:cSld>
+  <p:clrMapOvr>
+    <a:masterClrMapping/>
+  </p:clrMapOvr>
+</p:notes>
+</file>
+
+<file path=ppt/notesSlides/notesSlide2.xml><?xml version="1.0" encoding="utf-8"?>
+<p:notes xmlns:a="http://schemas.openxmlformats.org/drawingml/2006/main" xmlns:r="http://schemas.openxmlformats.org/officeDocument/2006/relationships" xmlns:p="http://schemas.openxmlformats.org/presentationml/2006/main">
+  <p:cSld>
+    <p:spTree>
+      <p:nvGrpSpPr>
+        <p:cNvPr id="1" name=""/>
+        <p:cNvGrpSpPr/>
+        <p:nvPr/>
+      </p:nvGrpSpPr>
+      <p:grpSpPr>
+        <a:xfrm>
+          <a:off x="0" y="0"/>
+          <a:ext cx="0" cy="0"/>
+          <a:chOff x="0" y="0"/>
+          <a:chExt cx="0" cy="0"/>
+        </a:xfrm>
+      </p:grpSpPr>
+      <p:sp>
+        <p:nvSpPr>
+          <p:cNvPr id="2" name="Slide Image Placeholder 1"/>
+          <p:cNvSpPr>
+            <a:spLocks noGrp="1" noRot="1" noChangeAspect="1"/>
+          </p:cNvSpPr>
+          <p:nvPr>
+            <p:ph type="sldImg"/>
+          </p:nvPr>
+        </p:nvSpPr>
+        <p:spPr/>
+      </p:sp>
+      <p:sp>
+        <p:nvSpPr>
+          <p:cNvPr id="3" name="Notes Placeholder 2"/>
+          <p:cNvSpPr>
+            <a:spLocks noGrp="1"/>
+          </p:cNvSpPr>
+          <p:nvPr>
+            <p:ph type="body" idx="1"/>
+          </p:nvPr>
+        </p:nvSpPr>
+        <p:spPr/>
+        <p:txBody>
+          <a:bodyPr/>
+          <a:lstStyle/>
+          <a:p>
+            <a:r>
+              <a:rPr lang="en-US" dirty="0" smtClean="0"/>
+              <a:t>So,</a:t>
+            </a:r>
+            <a:r>
+              <a:rPr lang="en-US" baseline="0" dirty="0" smtClean="0"/>
+              <a:t> let me introduce myself again, my name is pham kim duy long. I was born in 08 of </a:t>
+            </a:r>
+            <a:r>
+              <a:rPr lang="en-US" baseline="0" dirty="0" err="1" smtClean="0"/>
+              <a:t>april</a:t>
+            </a:r>
+            <a:r>
+              <a:rPr lang="en-US" baseline="0" dirty="0" smtClean="0"/>
+              <a:t> in 2000, which mean </a:t>
+            </a:r>
+            <a:r>
+              <a:rPr lang="en-US" baseline="0" dirty="0" err="1" smtClean="0"/>
+              <a:t>im</a:t>
+            </a:r>
+            <a:r>
+              <a:rPr lang="en-US" baseline="0" dirty="0" smtClean="0"/>
+              <a:t> now 20 </a:t>
+            </a:r>
+            <a:r>
+              <a:rPr lang="en-US" baseline="0" dirty="0" err="1" smtClean="0"/>
+              <a:t>yrs</a:t>
+            </a:r>
+            <a:r>
+              <a:rPr lang="en-US" baseline="0" dirty="0" smtClean="0"/>
+              <a:t> old and yes I was born in </a:t>
+            </a:r>
+            <a:r>
+              <a:rPr lang="en-US" baseline="0" dirty="0" err="1" smtClean="0"/>
+              <a:t>hcm</a:t>
+            </a:r>
+            <a:r>
+              <a:rPr lang="en-US" baseline="0" dirty="0" smtClean="0"/>
+              <a:t> city.</a:t>
+            </a:r>
+          </a:p>
+          <a:p>
+            <a:r>
+              <a:rPr lang="en-US" baseline="0" dirty="0" smtClean="0"/>
+              <a:t>And my hobby was Reading book and listen to music, I’m pretty into those book which about social skill,  psychologic. Beside that I love to being wanderlust around when I have free time, just driving without point and enjoy the feeling.</a:t>
+            </a:r>
+          </a:p>
+          <a:p>
+            <a:r>
+              <a:rPr lang="en-US" dirty="0" smtClean="0"/>
+              <a:t>I</a:t>
+            </a:r>
+            <a:r>
+              <a:rPr lang="en-US" baseline="0" dirty="0" smtClean="0"/>
+              <a:t> believe every one of us must have that one quote which when anyone mention about a quote you just get it right away without wondering.</a:t>
+            </a:r>
+          </a:p>
+          <a:p>
+            <a:r>
+              <a:rPr lang="en-US" baseline="0" dirty="0" smtClean="0"/>
+              <a:t>Mine was “”, this has </a:t>
+            </a:r>
+            <a:r>
+              <a:rPr lang="en-US" baseline="0" dirty="0" err="1" smtClean="0"/>
+              <a:t>alots</a:t>
+            </a:r>
+            <a:r>
+              <a:rPr lang="en-US" baseline="0" dirty="0" smtClean="0"/>
+              <a:t> of meaning base on the view of each person but on my opinion. This one is the one that keep me from being distracting or disappointing from hoping too much as well as reminding me there is nothing you would get if you just stay at one place and doing nothing. No one </a:t>
+            </a:r>
+            <a:r>
+              <a:rPr lang="en-US" baseline="0" dirty="0" err="1" smtClean="0"/>
+              <a:t>gonna</a:t>
+            </a:r>
+            <a:r>
+              <a:rPr lang="en-US" baseline="0" dirty="0" smtClean="0"/>
+              <a:t> give you what you want, you </a:t>
+            </a:r>
+            <a:r>
+              <a:rPr lang="en-US" baseline="0" dirty="0" err="1" smtClean="0"/>
+              <a:t>gotta</a:t>
+            </a:r>
+            <a:r>
+              <a:rPr lang="en-US" baseline="0" dirty="0" smtClean="0"/>
+              <a:t> get it by yourself.</a:t>
+            </a:r>
+            <a:endParaRPr lang="en-US" dirty="0"/>
+          </a:p>
+        </p:txBody>
+      </p:sp>
+      <p:sp>
+        <p:nvSpPr>
+          <p:cNvPr id="4" name="Slide Number Placeholder 3"/>
+          <p:cNvSpPr>
+            <a:spLocks noGrp="1"/>
+          </p:cNvSpPr>
+          <p:nvPr>
+            <p:ph type="sldNum" sz="quarter" idx="10"/>
+          </p:nvPr>
+        </p:nvSpPr>
+        <p:spPr/>
+        <p:txBody>
+          <a:bodyPr/>
+          <a:lstStyle/>
+          <a:p>
+            <a:fld id="{006BE02D-20C0-F840-AFAC-BEA99C74FDC2}" type="slidenum">
+              <a:rPr lang="en-US" smtClean="0"/>
+              <a:pPr/>
+              <a:t>3</a:t>
+            </a:fld>
+            <a:endParaRPr lang="en-US"/>
+          </a:p>
+        </p:txBody>
+      </p:sp>
+    </p:spTree>
+    <p:extLst>
+      <p:ext uri="{BB962C8B-B14F-4D97-AF65-F5344CB8AC3E}">
+        <p14:creationId xmlns:p14="http://schemas.microsoft.com/office/powerpoint/2010/main" val="1016275622"/>
+      </p:ext>
+    </p:extLst>
+  </p:cSld>
+  <p:clrMapOvr>
+    <a:masterClrMapping/>
+  </p:clrMapOvr>
+</p:notes>
+</file>
+
+<file path=ppt/notesSlides/notesSlide3.xml><?xml version="1.0" encoding="utf-8"?>
+<p:notes xmlns:a="http://schemas.openxmlformats.org/drawingml/2006/main" xmlns:r="http://schemas.openxmlformats.org/officeDocument/2006/relationships" xmlns:p="http://schemas.openxmlformats.org/presentationml/2006/main">
+  <p:cSld>
+    <p:spTree>
+      <p:nvGrpSpPr>
+        <p:cNvPr id="1" name=""/>
+        <p:cNvGrpSpPr/>
+        <p:nvPr/>
+      </p:nvGrpSpPr>
+      <p:grpSpPr>
+        <a:xfrm>
+          <a:off x="0" y="0"/>
+          <a:ext cx="0" cy="0"/>
+          <a:chOff x="0" y="0"/>
+          <a:chExt cx="0" cy="0"/>
+        </a:xfrm>
+      </p:grpSpPr>
+      <p:sp>
+        <p:nvSpPr>
+          <p:cNvPr id="2" name="Slide Image Placeholder 1"/>
+          <p:cNvSpPr>
+            <a:spLocks noGrp="1" noRot="1" noChangeAspect="1"/>
+          </p:cNvSpPr>
+          <p:nvPr>
+            <p:ph type="sldImg"/>
+          </p:nvPr>
+        </p:nvSpPr>
+        <p:spPr/>
+      </p:sp>
+      <p:sp>
+        <p:nvSpPr>
+          <p:cNvPr id="3" name="Notes Placeholder 2"/>
+          <p:cNvSpPr>
+            <a:spLocks noGrp="1"/>
+          </p:cNvSpPr>
+          <p:nvPr>
+            <p:ph type="body" idx="1"/>
+          </p:nvPr>
+        </p:nvSpPr>
+        <p:spPr/>
+        <p:txBody>
+          <a:bodyPr/>
+          <a:lstStyle/>
+          <a:p>
+            <a:r>
+              <a:rPr lang="en-US" baseline="0" dirty="0" smtClean="0"/>
+              <a:t>I was pretty wondering about this, even I know my strength well, but you know what they said, no one is perfect. That’s why </a:t>
+            </a:r>
+            <a:r>
+              <a:rPr lang="en-US" baseline="0" dirty="0" err="1" smtClean="0"/>
+              <a:t>i’ve</a:t>
+            </a:r>
+            <a:r>
+              <a:rPr lang="en-US" baseline="0" dirty="0" smtClean="0"/>
+              <a:t> spend a long time to figure it out, what is my weakness. </a:t>
+            </a:r>
+          </a:p>
+          <a:p>
+            <a:r>
+              <a:rPr lang="en-US" baseline="0" dirty="0" smtClean="0"/>
+              <a:t>So lets talk about my strength first, okay ? There is one said bring what you good at first right ? </a:t>
+            </a:r>
+          </a:p>
+          <a:p>
+            <a:r>
+              <a:rPr lang="en-US" baseline="0" dirty="0" err="1" smtClean="0"/>
+              <a:t>Im</a:t>
+            </a:r>
+            <a:r>
+              <a:rPr lang="en-US" baseline="0" dirty="0" smtClean="0"/>
+              <a:t> </a:t>
+            </a:r>
+            <a:r>
+              <a:rPr lang="en-US" baseline="0" dirty="0" err="1" smtClean="0"/>
+              <a:t>seing</a:t>
+            </a:r>
+            <a:r>
+              <a:rPr lang="en-US" baseline="0" dirty="0" smtClean="0"/>
+              <a:t> myself as a person with confident and being sociable, which mean I could get into every environment </a:t>
+            </a:r>
+            <a:r>
+              <a:rPr lang="en-US" baseline="0" dirty="0" err="1" smtClean="0"/>
+              <a:t>realy</a:t>
+            </a:r>
+            <a:r>
+              <a:rPr lang="en-US" baseline="0" dirty="0" smtClean="0"/>
+              <a:t> quick and </a:t>
+            </a:r>
+            <a:r>
+              <a:rPr lang="en-US" baseline="0" dirty="0" err="1" smtClean="0"/>
+              <a:t>i</a:t>
+            </a:r>
+            <a:r>
+              <a:rPr lang="en-US" baseline="0" dirty="0" smtClean="0"/>
+              <a:t> always try to avoid offend people.</a:t>
+            </a:r>
+          </a:p>
+          <a:p>
+            <a:r>
+              <a:rPr lang="en-US" baseline="0" dirty="0" smtClean="0"/>
+              <a:t>And yes, I think I have a logic mindset even sometime its not working really well because </a:t>
+            </a:r>
+            <a:r>
+              <a:rPr lang="en-US" baseline="0" dirty="0" err="1" smtClean="0"/>
+              <a:t>im</a:t>
+            </a:r>
+            <a:r>
+              <a:rPr lang="en-US" baseline="0" dirty="0" smtClean="0"/>
+              <a:t> thinking way too much about everything but its not bad though, it help me to have a proper look on the problem </a:t>
+            </a:r>
+            <a:r>
+              <a:rPr lang="en-US" baseline="0" dirty="0" err="1" smtClean="0"/>
+              <a:t>im</a:t>
+            </a:r>
+            <a:r>
+              <a:rPr lang="en-US" baseline="0" dirty="0" smtClean="0"/>
+              <a:t> facing with.</a:t>
+            </a:r>
+          </a:p>
+          <a:p>
+            <a:r>
+              <a:rPr lang="en-US" baseline="0" dirty="0" smtClean="0"/>
+              <a:t>I could be a quick learner, and thriving on pressure. The stronger the pressure, the better I’ll be. At last “what doesn’t kill you, make you stronger” right ?</a:t>
+            </a:r>
+          </a:p>
+          <a:p>
+            <a:r>
+              <a:rPr lang="en-US" baseline="0" dirty="0" smtClean="0"/>
+              <a:t>And the one that I think not really a right one but </a:t>
+            </a:r>
+            <a:r>
+              <a:rPr lang="en-US" baseline="0" dirty="0" err="1" smtClean="0"/>
+              <a:t>im</a:t>
+            </a:r>
+            <a:r>
+              <a:rPr lang="en-US" baseline="0" dirty="0" smtClean="0"/>
+              <a:t> working on it so it would being right is live by the code. It’s mean that I live by the rule that I set for myself, and those rules means absolute.</a:t>
+            </a:r>
+          </a:p>
+          <a:p>
+            <a:endParaRPr lang="en-US" baseline="0" dirty="0" smtClean="0"/>
+          </a:p>
+          <a:p>
+            <a:r>
+              <a:rPr lang="en-US" baseline="0" dirty="0" smtClean="0"/>
+              <a:t>About weakness, I don’t really have patience, like not really, what I want to do it’s must be done right away I don’t really like being wait.</a:t>
+            </a:r>
+          </a:p>
+          <a:p>
+            <a:r>
+              <a:rPr lang="en-US" baseline="0" dirty="0" smtClean="0"/>
+              <a:t>I’m also pretty intransigent, especially when I think that </a:t>
+            </a:r>
+            <a:r>
+              <a:rPr lang="en-US" baseline="0" dirty="0" err="1" smtClean="0"/>
+              <a:t>im</a:t>
+            </a:r>
+            <a:r>
+              <a:rPr lang="en-US" baseline="0" dirty="0" smtClean="0"/>
+              <a:t> the right one in the argument. -&gt; fixing</a:t>
+            </a:r>
+          </a:p>
+          <a:p>
+            <a:r>
+              <a:rPr lang="en-US" baseline="0" dirty="0" smtClean="0"/>
+              <a:t>And </a:t>
+            </a:r>
+            <a:r>
+              <a:rPr lang="en-US" baseline="0" dirty="0" err="1" smtClean="0"/>
+              <a:t>im</a:t>
+            </a:r>
+            <a:r>
+              <a:rPr lang="en-US" baseline="0" dirty="0" smtClean="0"/>
+              <a:t> sometime getting distracted pretty easy, you know, I mean when its about the thing that I love, I couldn’t calm myself down.</a:t>
+            </a:r>
+          </a:p>
+          <a:p>
+            <a:endParaRPr lang="en-US" baseline="0" dirty="0" smtClean="0"/>
+          </a:p>
+          <a:p>
+            <a:endParaRPr lang="en-US" baseline="0" dirty="0" smtClean="0"/>
+          </a:p>
+          <a:p>
+            <a:endParaRPr lang="en-US" baseline="0" dirty="0" smtClean="0"/>
+          </a:p>
+        </p:txBody>
+      </p:sp>
+      <p:sp>
+        <p:nvSpPr>
+          <p:cNvPr id="4" name="Slide Number Placeholder 3"/>
+          <p:cNvSpPr>
+            <a:spLocks noGrp="1"/>
+          </p:cNvSpPr>
+          <p:nvPr>
+            <p:ph type="sldNum" sz="quarter" idx="10"/>
+          </p:nvPr>
+        </p:nvSpPr>
+        <p:spPr/>
+        <p:txBody>
+          <a:bodyPr/>
+          <a:lstStyle/>
+          <a:p>
+            <a:fld id="{006BE02D-20C0-F840-AFAC-BEA99C74FDC2}" type="slidenum">
+              <a:rPr lang="en-US" smtClean="0"/>
+              <a:pPr/>
+              <a:t>4</a:t>
+            </a:fld>
+            <a:endParaRPr lang="en-US"/>
+          </a:p>
+        </p:txBody>
+      </p:sp>
+    </p:spTree>
+    <p:extLst>
+      <p:ext uri="{BB962C8B-B14F-4D97-AF65-F5344CB8AC3E}">
+        <p14:creationId xmlns:p14="http://schemas.microsoft.com/office/powerpoint/2010/main" val="1093864409"/>
+      </p:ext>
+    </p:extLst>
+  </p:cSld>
+  <p:clrMapOvr>
+    <a:masterClrMapping/>
+  </p:clrMapOvr>
+</p:notes>
+</file>
+
+<file path=ppt/notesSlides/notesSlide4.xml><?xml version="1.0" encoding="utf-8"?>
+<p:notes xmlns:a="http://schemas.openxmlformats.org/drawingml/2006/main" xmlns:r="http://schemas.openxmlformats.org/officeDocument/2006/relationships" xmlns:p="http://schemas.openxmlformats.org/presentationml/2006/main">
+  <p:cSld>
+    <p:spTree>
+      <p:nvGrpSpPr>
+        <p:cNvPr id="1" name=""/>
+        <p:cNvGrpSpPr/>
+        <p:nvPr/>
+      </p:nvGrpSpPr>
+      <p:grpSpPr>
+        <a:xfrm>
+          <a:off x="0" y="0"/>
+          <a:ext cx="0" cy="0"/>
+          <a:chOff x="0" y="0"/>
+          <a:chExt cx="0" cy="0"/>
+        </a:xfrm>
+      </p:grpSpPr>
+      <p:sp>
+        <p:nvSpPr>
+          <p:cNvPr id="2" name="Slide Image Placeholder 1"/>
+          <p:cNvSpPr>
+            <a:spLocks noGrp="1" noRot="1" noChangeAspect="1"/>
+          </p:cNvSpPr>
+          <p:nvPr>
+            <p:ph type="sldImg"/>
+          </p:nvPr>
+        </p:nvSpPr>
+        <p:spPr/>
+      </p:sp>
+      <p:sp>
+        <p:nvSpPr>
+          <p:cNvPr id="3" name="Notes Placeholder 2"/>
+          <p:cNvSpPr>
+            <a:spLocks noGrp="1"/>
+          </p:cNvSpPr>
+          <p:nvPr>
+            <p:ph type="body" idx="1"/>
+          </p:nvPr>
+        </p:nvSpPr>
+        <p:spPr/>
+        <p:txBody>
+          <a:bodyPr/>
+          <a:lstStyle/>
+          <a:p>
+            <a:r>
+              <a:rPr lang="en-US" dirty="0" smtClean="0"/>
+              <a:t>I</a:t>
+            </a:r>
+            <a:r>
+              <a:rPr lang="en-US" baseline="0" dirty="0" smtClean="0"/>
+              <a:t> did have some experience working with these technology and language before, in the “center ???? (this is something you </a:t>
+            </a:r>
+            <a:r>
+              <a:rPr lang="en-US" baseline="0" dirty="0" err="1" smtClean="0"/>
+              <a:t>gotta</a:t>
+            </a:r>
+            <a:r>
+              <a:rPr lang="en-US" baseline="0" dirty="0" smtClean="0"/>
+              <a:t> say dude)”.</a:t>
+            </a:r>
+          </a:p>
+          <a:p>
+            <a:r>
+              <a:rPr lang="en-US" baseline="0" dirty="0" smtClean="0"/>
+              <a:t>And it’s not really good before this course, I can’t really make a product properly, the only thing I was good at back there was just html-</a:t>
+            </a:r>
+            <a:r>
+              <a:rPr lang="en-US" baseline="0" dirty="0" err="1" smtClean="0"/>
+              <a:t>css</a:t>
+            </a:r>
+            <a:r>
+              <a:rPr lang="en-US" baseline="0" dirty="0" smtClean="0"/>
+              <a:t> and </a:t>
+            </a:r>
+            <a:r>
+              <a:rPr lang="en-US" baseline="0" dirty="0" err="1" smtClean="0"/>
+              <a:t>littile</a:t>
+            </a:r>
+            <a:r>
+              <a:rPr lang="en-US" baseline="0" dirty="0" smtClean="0"/>
+              <a:t> bit </a:t>
+            </a:r>
+            <a:r>
+              <a:rPr lang="en-US" baseline="0" dirty="0" err="1" smtClean="0"/>
+              <a:t>js-c</a:t>
+            </a:r>
+            <a:r>
+              <a:rPr lang="en-US" baseline="0" dirty="0" smtClean="0"/>
+              <a:t># with </a:t>
+            </a:r>
+            <a:r>
+              <a:rPr lang="en-US" baseline="0" dirty="0" err="1" smtClean="0"/>
+              <a:t>dotnet</a:t>
+            </a:r>
+            <a:r>
+              <a:rPr lang="en-US" baseline="0" dirty="0" smtClean="0"/>
+              <a:t> core. </a:t>
+            </a:r>
+            <a:r>
+              <a:rPr lang="en-US" baseline="0" dirty="0" err="1" smtClean="0"/>
+              <a:t>Im</a:t>
+            </a:r>
+            <a:r>
+              <a:rPr lang="en-US" baseline="0" dirty="0" smtClean="0"/>
+              <a:t> pretty suck at </a:t>
+            </a:r>
+            <a:r>
+              <a:rPr lang="en-US" baseline="0" dirty="0" err="1" smtClean="0"/>
+              <a:t>SQl</a:t>
+            </a:r>
+            <a:r>
+              <a:rPr lang="en-US" baseline="0" dirty="0" smtClean="0"/>
+              <a:t> actually, back there yes, about improvement I would talk about it right away.</a:t>
+            </a:r>
+          </a:p>
+        </p:txBody>
+      </p:sp>
+      <p:sp>
+        <p:nvSpPr>
+          <p:cNvPr id="4" name="Slide Number Placeholder 3"/>
+          <p:cNvSpPr>
+            <a:spLocks noGrp="1"/>
+          </p:cNvSpPr>
+          <p:nvPr>
+            <p:ph type="sldNum" sz="quarter" idx="10"/>
+          </p:nvPr>
+        </p:nvSpPr>
+        <p:spPr/>
+        <p:txBody>
+          <a:bodyPr/>
+          <a:lstStyle/>
+          <a:p>
+            <a:fld id="{006BE02D-20C0-F840-AFAC-BEA99C74FDC2}" type="slidenum">
+              <a:rPr lang="en-US" smtClean="0"/>
+              <a:pPr/>
+              <a:t>5</a:t>
+            </a:fld>
+            <a:endParaRPr lang="en-US"/>
+          </a:p>
+        </p:txBody>
+      </p:sp>
+    </p:spTree>
+    <p:extLst>
+      <p:ext uri="{BB962C8B-B14F-4D97-AF65-F5344CB8AC3E}">
+        <p14:creationId xmlns:p14="http://schemas.microsoft.com/office/powerpoint/2010/main" val="3067407428"/>
+      </p:ext>
+    </p:extLst>
+  </p:cSld>
+  <p:clrMapOvr>
+    <a:masterClrMapping/>
+  </p:clrMapOvr>
+</p:notes>
+</file>
+
+<file path=ppt/notesSlides/notesSlide5.xml><?xml version="1.0" encoding="utf-8"?>
+<p:notes xmlns:a="http://schemas.openxmlformats.org/drawingml/2006/main" xmlns:r="http://schemas.openxmlformats.org/officeDocument/2006/relationships" xmlns:p="http://schemas.openxmlformats.org/presentationml/2006/main">
+  <p:cSld>
+    <p:spTree>
+      <p:nvGrpSpPr>
+        <p:cNvPr id="1" name=""/>
+        <p:cNvGrpSpPr/>
+        <p:nvPr/>
+      </p:nvGrpSpPr>
+      <p:grpSpPr>
+        <a:xfrm>
+          <a:off x="0" y="0"/>
+          <a:ext cx="0" cy="0"/>
+          <a:chOff x="0" y="0"/>
+          <a:chExt cx="0" cy="0"/>
+        </a:xfrm>
+      </p:grpSpPr>
+      <p:sp>
+        <p:nvSpPr>
+          <p:cNvPr id="2" name="Slide Image Placeholder 1"/>
+          <p:cNvSpPr>
+            <a:spLocks noGrp="1" noRot="1" noChangeAspect="1"/>
+          </p:cNvSpPr>
+          <p:nvPr>
+            <p:ph type="sldImg"/>
+          </p:nvPr>
+        </p:nvSpPr>
+        <p:spPr/>
+      </p:sp>
+      <p:sp>
+        <p:nvSpPr>
+          <p:cNvPr id="3" name="Notes Placeholder 2"/>
+          <p:cNvSpPr>
+            <a:spLocks noGrp="1"/>
+          </p:cNvSpPr>
+          <p:nvPr>
+            <p:ph type="body" idx="1"/>
+          </p:nvPr>
+        </p:nvSpPr>
+        <p:spPr/>
+        <p:txBody>
+          <a:bodyPr/>
+          <a:lstStyle/>
+          <a:p>
+            <a:r>
+              <a:rPr lang="en-US" dirty="0" smtClean="0"/>
+              <a:t>When I joining the course there</a:t>
+            </a:r>
+            <a:r>
+              <a:rPr lang="en-US" baseline="0" dirty="0" smtClean="0"/>
+              <a:t> was </a:t>
+            </a:r>
+            <a:r>
+              <a:rPr lang="en-US" baseline="0" dirty="0" err="1" smtClean="0"/>
+              <a:t>alots</a:t>
+            </a:r>
+            <a:r>
+              <a:rPr lang="en-US" baseline="0" dirty="0" smtClean="0"/>
+              <a:t> of Obstacles for me to working on.</a:t>
+            </a:r>
+          </a:p>
+          <a:p>
+            <a:r>
+              <a:rPr lang="en-US" baseline="0" dirty="0" smtClean="0"/>
+              <a:t>I don’t have much experience is the first one, my knowledge is, well, not much if compare to </a:t>
+            </a:r>
+            <a:r>
+              <a:rPr lang="en-US" baseline="0" dirty="0" err="1" smtClean="0"/>
+              <a:t>others.i</a:t>
+            </a:r>
+            <a:r>
+              <a:rPr lang="en-US" baseline="0" dirty="0" smtClean="0"/>
+              <a:t> don’t have a good view, a good </a:t>
+            </a:r>
+            <a:r>
+              <a:rPr lang="en-US" baseline="0" dirty="0" err="1" smtClean="0"/>
+              <a:t>orirentation</a:t>
+            </a:r>
+            <a:r>
+              <a:rPr lang="en-US" baseline="0" dirty="0" smtClean="0"/>
+              <a:t> about my future. And through the course, there was </a:t>
+            </a:r>
+            <a:r>
+              <a:rPr lang="en-US" baseline="0" dirty="0" err="1" smtClean="0"/>
+              <a:t>alots</a:t>
+            </a:r>
+            <a:r>
+              <a:rPr lang="en-US" baseline="0" dirty="0" smtClean="0"/>
+              <a:t> of unfamiliar technologies, </a:t>
+            </a:r>
+            <a:r>
+              <a:rPr lang="en-US" baseline="0" dirty="0" err="1" smtClean="0"/>
+              <a:t>especialy</a:t>
+            </a:r>
+            <a:r>
+              <a:rPr lang="en-US" baseline="0" dirty="0" smtClean="0"/>
+              <a:t> recently when I come interact with java, </a:t>
+            </a:r>
+            <a:r>
+              <a:rPr lang="en-US" baseline="0" dirty="0" err="1" smtClean="0"/>
+              <a:t>jsp</a:t>
+            </a:r>
+            <a:r>
+              <a:rPr lang="en-US" baseline="0" dirty="0" smtClean="0"/>
+              <a:t>, </a:t>
+            </a:r>
+            <a:r>
+              <a:rPr lang="en-US" baseline="0" dirty="0" err="1" smtClean="0"/>
+              <a:t>jsf</a:t>
+            </a:r>
+            <a:r>
+              <a:rPr lang="en-US" baseline="0" dirty="0" smtClean="0"/>
+              <a:t> and the power egg framework. It’s like a bomb to me. I cant really handle it but I must keep forcing myself to keep going on even it’s slow, because I know, this is a chance for me, a precious chance and you cant have it everyday.</a:t>
+            </a:r>
+            <a:endParaRPr lang="en-US" dirty="0"/>
+          </a:p>
+        </p:txBody>
+      </p:sp>
+      <p:sp>
+        <p:nvSpPr>
+          <p:cNvPr id="4" name="Slide Number Placeholder 3"/>
+          <p:cNvSpPr>
+            <a:spLocks noGrp="1"/>
+          </p:cNvSpPr>
+          <p:nvPr>
+            <p:ph type="sldNum" sz="quarter" idx="10"/>
+          </p:nvPr>
+        </p:nvSpPr>
+        <p:spPr/>
+        <p:txBody>
+          <a:bodyPr/>
+          <a:lstStyle/>
+          <a:p>
+            <a:fld id="{006BE02D-20C0-F840-AFAC-BEA99C74FDC2}" type="slidenum">
+              <a:rPr lang="en-US" smtClean="0"/>
+              <a:pPr/>
+              <a:t>6</a:t>
+            </a:fld>
+            <a:endParaRPr lang="en-US"/>
+          </a:p>
+        </p:txBody>
+      </p:sp>
+    </p:spTree>
+    <p:extLst>
+      <p:ext uri="{BB962C8B-B14F-4D97-AF65-F5344CB8AC3E}">
+        <p14:creationId xmlns:p14="http://schemas.microsoft.com/office/powerpoint/2010/main" val="2506798878"/>
+      </p:ext>
+    </p:extLst>
+  </p:cSld>
+  <p:clrMapOvr>
+    <a:masterClrMapping/>
+  </p:clrMapOvr>
+</p:notes>
+</file>
+
+<file path=ppt/notesSlides/notesSlide6.xml><?xml version="1.0" encoding="utf-8"?>
+<p:notes xmlns:a="http://schemas.openxmlformats.org/drawingml/2006/main" xmlns:r="http://schemas.openxmlformats.org/officeDocument/2006/relationships" xmlns:p="http://schemas.openxmlformats.org/presentationml/2006/main">
+  <p:cSld>
+    <p:spTree>
+      <p:nvGrpSpPr>
+        <p:cNvPr id="1" name=""/>
+        <p:cNvGrpSpPr/>
+        <p:nvPr/>
+      </p:nvGrpSpPr>
+      <p:grpSpPr>
+        <a:xfrm>
+          <a:off x="0" y="0"/>
+          <a:ext cx="0" cy="0"/>
+          <a:chOff x="0" y="0"/>
+          <a:chExt cx="0" cy="0"/>
+        </a:xfrm>
+      </p:grpSpPr>
+      <p:sp>
+        <p:nvSpPr>
+          <p:cNvPr id="2" name="Slide Image Placeholder 1"/>
+          <p:cNvSpPr>
+            <a:spLocks noGrp="1" noRot="1" noChangeAspect="1"/>
+          </p:cNvSpPr>
+          <p:nvPr>
+            <p:ph type="sldImg"/>
+          </p:nvPr>
+        </p:nvSpPr>
+        <p:spPr/>
+      </p:sp>
+      <p:sp>
+        <p:nvSpPr>
+          <p:cNvPr id="3" name="Notes Placeholder 2"/>
+          <p:cNvSpPr>
+            <a:spLocks noGrp="1"/>
+          </p:cNvSpPr>
+          <p:nvPr>
+            <p:ph type="body" idx="1"/>
+          </p:nvPr>
+        </p:nvSpPr>
+        <p:spPr/>
+        <p:txBody>
+          <a:bodyPr/>
+          <a:lstStyle/>
+          <a:p>
+            <a:r>
+              <a:rPr lang="en-US" dirty="0" smtClean="0"/>
+              <a:t>-The first thing I </a:t>
+            </a:r>
+            <a:r>
+              <a:rPr lang="en-US" dirty="0" err="1" smtClean="0"/>
+              <a:t>gotta</a:t>
+            </a:r>
+            <a:r>
+              <a:rPr lang="en-US" baseline="0" dirty="0" smtClean="0"/>
+              <a:t> said about what I love in the company was the work place, it’s just so professional, but it’s not cold as I though as first. I mean, I was though that a company of Japanese must be so cold, so many rules etc. but turns out its not like that. Everyone is just so friendly and they </a:t>
+            </a:r>
+            <a:r>
+              <a:rPr lang="en-US" baseline="0" dirty="0" err="1" smtClean="0"/>
+              <a:t>helpme</a:t>
+            </a:r>
+            <a:r>
+              <a:rPr lang="en-US" baseline="0" dirty="0" smtClean="0"/>
+              <a:t> </a:t>
+            </a:r>
+            <a:r>
+              <a:rPr lang="en-US" baseline="0" dirty="0" err="1" smtClean="0"/>
+              <a:t>alots</a:t>
+            </a:r>
+            <a:r>
+              <a:rPr lang="en-US" baseline="0" dirty="0" smtClean="0"/>
+              <a:t>, they never complain about me asking too much. And I know that’s I was too young, must be  the youngest in the office or maybe the company, so I pretty scared at first. Every one is just helping me </a:t>
+            </a:r>
+            <a:r>
+              <a:rPr lang="en-US" baseline="0" dirty="0" err="1" smtClean="0"/>
+              <a:t>alots</a:t>
+            </a:r>
+            <a:r>
+              <a:rPr lang="en-US" baseline="0" dirty="0" smtClean="0"/>
+              <a:t>, I feel grateful for that.</a:t>
+            </a:r>
+            <a:endParaRPr lang="en-US" dirty="0"/>
+          </a:p>
+        </p:txBody>
+      </p:sp>
+      <p:sp>
+        <p:nvSpPr>
+          <p:cNvPr id="4" name="Slide Number Placeholder 3"/>
+          <p:cNvSpPr>
+            <a:spLocks noGrp="1"/>
+          </p:cNvSpPr>
+          <p:nvPr>
+            <p:ph type="sldNum" sz="quarter" idx="10"/>
+          </p:nvPr>
+        </p:nvSpPr>
+        <p:spPr/>
+        <p:txBody>
+          <a:bodyPr/>
+          <a:lstStyle/>
+          <a:p>
+            <a:fld id="{006BE02D-20C0-F840-AFAC-BEA99C74FDC2}" type="slidenum">
+              <a:rPr lang="en-US" smtClean="0"/>
+              <a:pPr/>
+              <a:t>7</a:t>
+            </a:fld>
+            <a:endParaRPr lang="en-US"/>
+          </a:p>
+        </p:txBody>
+      </p:sp>
+    </p:spTree>
+    <p:extLst>
+      <p:ext uri="{BB962C8B-B14F-4D97-AF65-F5344CB8AC3E}">
+        <p14:creationId xmlns:p14="http://schemas.microsoft.com/office/powerpoint/2010/main" val="3537966536"/>
+      </p:ext>
+    </p:extLst>
+  </p:cSld>
+  <p:clrMapOvr>
+    <a:masterClrMapping/>
+  </p:clrMapOvr>
+</p:notes>
+</file>
+
+<file path=ppt/notesSlides/notesSlide7.xml><?xml version="1.0" encoding="utf-8"?>
+<p:notes xmlns:a="http://schemas.openxmlformats.org/drawingml/2006/main" xmlns:r="http://schemas.openxmlformats.org/officeDocument/2006/relationships" xmlns:p="http://schemas.openxmlformats.org/presentationml/2006/main">
+  <p:cSld>
+    <p:spTree>
+      <p:nvGrpSpPr>
+        <p:cNvPr id="1" name=""/>
+        <p:cNvGrpSpPr/>
+        <p:nvPr/>
+      </p:nvGrpSpPr>
+      <p:grpSpPr>
+        <a:xfrm>
+          <a:off x="0" y="0"/>
+          <a:ext cx="0" cy="0"/>
+          <a:chOff x="0" y="0"/>
+          <a:chExt cx="0" cy="0"/>
+        </a:xfrm>
+      </p:grpSpPr>
+      <p:sp>
+        <p:nvSpPr>
+          <p:cNvPr id="2" name="Slide Image Placeholder 1"/>
+          <p:cNvSpPr>
+            <a:spLocks noGrp="1" noRot="1" noChangeAspect="1"/>
+          </p:cNvSpPr>
+          <p:nvPr>
+            <p:ph type="sldImg"/>
+          </p:nvPr>
+        </p:nvSpPr>
+        <p:spPr/>
+      </p:sp>
+      <p:sp>
+        <p:nvSpPr>
+          <p:cNvPr id="3" name="Notes Placeholder 2"/>
+          <p:cNvSpPr>
+            <a:spLocks noGrp="1"/>
+          </p:cNvSpPr>
+          <p:nvPr>
+            <p:ph type="body" idx="1"/>
+          </p:nvPr>
+        </p:nvSpPr>
+        <p:spPr/>
+        <p:txBody>
+          <a:bodyPr/>
+          <a:lstStyle/>
+          <a:p>
+            <a:endParaRPr lang="en-US" dirty="0"/>
+          </a:p>
+        </p:txBody>
+      </p:sp>
+      <p:sp>
+        <p:nvSpPr>
+          <p:cNvPr id="4" name="Slide Number Placeholder 3"/>
+          <p:cNvSpPr>
+            <a:spLocks noGrp="1"/>
+          </p:cNvSpPr>
+          <p:nvPr>
+            <p:ph type="sldNum" sz="quarter" idx="10"/>
+          </p:nvPr>
+        </p:nvSpPr>
+        <p:spPr/>
+        <p:txBody>
+          <a:bodyPr/>
+          <a:lstStyle/>
+          <a:p>
+            <a:fld id="{006BE02D-20C0-F840-AFAC-BEA99C74FDC2}" type="slidenum">
+              <a:rPr lang="en-US" smtClean="0"/>
+              <a:pPr/>
+              <a:t>8</a:t>
+            </a:fld>
+            <a:endParaRPr lang="en-US"/>
+          </a:p>
+        </p:txBody>
+      </p:sp>
+    </p:spTree>
+    <p:extLst>
+      <p:ext uri="{BB962C8B-B14F-4D97-AF65-F5344CB8AC3E}">
+        <p14:creationId xmlns:p14="http://schemas.microsoft.com/office/powerpoint/2010/main" val="430058296"/>
+      </p:ext>
+    </p:extLst>
+  </p:cSld>
+  <p:clrMapOvr>
+    <a:masterClrMapping/>
+  </p:clrMapOvr>
+</p:notes>
+</file>
+
+<file path=ppt/notesSlides/notesSlide8.xml><?xml version="1.0" encoding="utf-8"?>
+<p:notes xmlns:a="http://schemas.openxmlformats.org/drawingml/2006/main" xmlns:r="http://schemas.openxmlformats.org/officeDocument/2006/relationships" xmlns:p="http://schemas.openxmlformats.org/presentationml/2006/main">
+  <p:cSld>
+    <p:spTree>
+      <p:nvGrpSpPr>
+        <p:cNvPr id="1" name=""/>
+        <p:cNvGrpSpPr/>
+        <p:nvPr/>
+      </p:nvGrpSpPr>
+      <p:grpSpPr>
+        <a:xfrm>
+          <a:off x="0" y="0"/>
+          <a:ext cx="0" cy="0"/>
+          <a:chOff x="0" y="0"/>
+          <a:chExt cx="0" cy="0"/>
+        </a:xfrm>
+      </p:grpSpPr>
+      <p:sp>
+        <p:nvSpPr>
+          <p:cNvPr id="2" name="Slide Image Placeholder 1"/>
+          <p:cNvSpPr>
+            <a:spLocks noGrp="1" noRot="1" noChangeAspect="1"/>
+          </p:cNvSpPr>
+          <p:nvPr>
+            <p:ph type="sldImg"/>
+          </p:nvPr>
+        </p:nvSpPr>
+        <p:spPr/>
+      </p:sp>
+      <p:sp>
+        <p:nvSpPr>
+          <p:cNvPr id="3" name="Notes Placeholder 2"/>
+          <p:cNvSpPr>
+            <a:spLocks noGrp="1"/>
+          </p:cNvSpPr>
+          <p:nvPr>
+            <p:ph type="body" idx="1"/>
+          </p:nvPr>
+        </p:nvSpPr>
+        <p:spPr/>
+        <p:txBody>
+          <a:bodyPr/>
+          <a:lstStyle/>
+          <a:p>
+            <a:r>
+              <a:rPr lang="en-US" dirty="0" smtClean="0"/>
+              <a:t> I Learned</a:t>
+            </a:r>
+            <a:r>
+              <a:rPr lang="en-US" baseline="0" dirty="0" smtClean="0"/>
+              <a:t> some new technologies - - - - - -, even it’s not much but for me this is a big </a:t>
+            </a:r>
+            <a:r>
+              <a:rPr lang="en-US" baseline="0" dirty="0" smtClean="0"/>
+              <a:t>step forward, I learned </a:t>
+            </a:r>
+            <a:r>
+              <a:rPr lang="en-US" baseline="0" dirty="0" err="1" smtClean="0"/>
+              <a:t>alots</a:t>
+            </a:r>
+            <a:r>
+              <a:rPr lang="en-US" baseline="0" dirty="0" smtClean="0"/>
+              <a:t> of skill, not just new technologies. Like we all know, programing is just not about coding, its about finding solution and solving problem which is required </a:t>
+            </a:r>
+            <a:r>
+              <a:rPr lang="en-US" baseline="0" dirty="0" err="1" smtClean="0"/>
+              <a:t>alots</a:t>
+            </a:r>
+            <a:r>
+              <a:rPr lang="en-US" baseline="0" dirty="0" smtClean="0"/>
+              <a:t> of research and research need skill too, and a lot more like being proactive to looking for help</a:t>
+            </a:r>
+            <a:endParaRPr lang="en-US" dirty="0"/>
+          </a:p>
+        </p:txBody>
+      </p:sp>
+      <p:sp>
+        <p:nvSpPr>
+          <p:cNvPr id="4" name="Slide Number Placeholder 3"/>
+          <p:cNvSpPr>
+            <a:spLocks noGrp="1"/>
+          </p:cNvSpPr>
+          <p:nvPr>
+            <p:ph type="sldNum" sz="quarter" idx="10"/>
+          </p:nvPr>
+        </p:nvSpPr>
+        <p:spPr/>
+        <p:txBody>
+          <a:bodyPr/>
+          <a:lstStyle/>
+          <a:p>
+            <a:fld id="{006BE02D-20C0-F840-AFAC-BEA99C74FDC2}" type="slidenum">
+              <a:rPr lang="en-US" smtClean="0"/>
+              <a:pPr/>
+              <a:t>9</a:t>
+            </a:fld>
+            <a:endParaRPr lang="en-US"/>
+          </a:p>
+        </p:txBody>
+      </p:sp>
+    </p:spTree>
+    <p:extLst>
+      <p:ext uri="{BB962C8B-B14F-4D97-AF65-F5344CB8AC3E}">
+        <p14:creationId xmlns:p14="http://schemas.microsoft.com/office/powerpoint/2010/main" val="1884532380"/>
+      </p:ext>
+    </p:extLst>
+  </p:cSld>
+  <p:clrMapOvr>
+    <a:masterClrMapping/>
+  </p:clrMapOvr>
+</p:notes>
+</file>
+
+<file path=ppt/notesSlides/notesSlide9.xml><?xml version="1.0" encoding="utf-8"?>
+<p:notes xmlns:a="http://schemas.openxmlformats.org/drawingml/2006/main" xmlns:r="http://schemas.openxmlformats.org/officeDocument/2006/relationships" xmlns:p="http://schemas.openxmlformats.org/presentationml/2006/main">
+  <p:cSld>
+    <p:spTree>
+      <p:nvGrpSpPr>
+        <p:cNvPr id="1" name=""/>
+        <p:cNvGrpSpPr/>
+        <p:nvPr/>
+      </p:nvGrpSpPr>
+      <p:grpSpPr>
+        <a:xfrm>
+          <a:off x="0" y="0"/>
+          <a:ext cx="0" cy="0"/>
+          <a:chOff x="0" y="0"/>
+          <a:chExt cx="0" cy="0"/>
+        </a:xfrm>
+      </p:grpSpPr>
+      <p:sp>
+        <p:nvSpPr>
+          <p:cNvPr id="2" name="Slide Image Placeholder 1"/>
+          <p:cNvSpPr>
+            <a:spLocks noGrp="1" noRot="1" noChangeAspect="1"/>
+          </p:cNvSpPr>
+          <p:nvPr>
+            <p:ph type="sldImg"/>
+          </p:nvPr>
+        </p:nvSpPr>
+        <p:spPr/>
+      </p:sp>
+      <p:sp>
+        <p:nvSpPr>
+          <p:cNvPr id="3" name="Notes Placeholder 2"/>
+          <p:cNvSpPr>
+            <a:spLocks noGrp="1"/>
+          </p:cNvSpPr>
+          <p:nvPr>
+            <p:ph type="body" idx="1"/>
+          </p:nvPr>
+        </p:nvSpPr>
+        <p:spPr/>
+        <p:txBody>
+          <a:bodyPr/>
+          <a:lstStyle/>
+          <a:p>
+            <a:r>
+              <a:rPr lang="en-US" dirty="0" smtClean="0"/>
+              <a:t>And yes, I’ve</a:t>
+            </a:r>
+            <a:r>
+              <a:rPr lang="en-US" baseline="0" dirty="0" smtClean="0"/>
+              <a:t> updated myself, </a:t>
+            </a:r>
+            <a:r>
+              <a:rPr lang="en-US" baseline="0" dirty="0" err="1" smtClean="0"/>
+              <a:t>alots</a:t>
+            </a:r>
+            <a:r>
+              <a:rPr lang="en-US" baseline="0" dirty="0" smtClean="0"/>
+              <a:t> of work has been pulling in. there is no way that I cant realize anything.</a:t>
+            </a:r>
+          </a:p>
+          <a:p>
+            <a:r>
+              <a:rPr lang="en-US" baseline="0" dirty="0" smtClean="0"/>
+              <a:t>I’ve learned the way to control myself, managing myself, like my emotion, my time, my effort, my energy and balancing them in my life so they wont have bad affect to my life or my work.</a:t>
+            </a:r>
+          </a:p>
+          <a:p>
+            <a:r>
+              <a:rPr lang="en-US" baseline="0" dirty="0" smtClean="0"/>
+              <a:t>I also have a little bit more clearly vision about my path in the future, the first time in my life I really looking forward in the future, and I know exactly what I </a:t>
+            </a:r>
+            <a:r>
+              <a:rPr lang="en-US" baseline="0" dirty="0" err="1" smtClean="0"/>
+              <a:t>gotta</a:t>
+            </a:r>
+            <a:r>
+              <a:rPr lang="en-US" baseline="0" dirty="0" smtClean="0"/>
+              <a:t> do, not by being guessing about what </a:t>
+            </a:r>
+            <a:r>
+              <a:rPr lang="en-US" baseline="0" dirty="0" err="1" smtClean="0"/>
+              <a:t>im</a:t>
+            </a:r>
+            <a:r>
+              <a:rPr lang="en-US" baseline="0" dirty="0" smtClean="0"/>
+              <a:t> </a:t>
+            </a:r>
+            <a:r>
+              <a:rPr lang="en-US" baseline="0" dirty="0" err="1" smtClean="0"/>
+              <a:t>gonna</a:t>
+            </a:r>
+            <a:r>
+              <a:rPr lang="en-US" baseline="0" dirty="0" smtClean="0"/>
+              <a:t> do tomorrow and waking up feeling so empty.</a:t>
+            </a:r>
+          </a:p>
+          <a:p>
+            <a:r>
+              <a:rPr lang="en-US" baseline="0" dirty="0" smtClean="0"/>
+              <a:t>Beside I have </a:t>
+            </a:r>
+            <a:r>
+              <a:rPr lang="en-US" baseline="0" dirty="0" err="1" smtClean="0"/>
+              <a:t>alots</a:t>
+            </a:r>
+            <a:r>
+              <a:rPr lang="en-US" baseline="0" dirty="0" smtClean="0"/>
+              <a:t> more about presenting, speak in public skill which I was always getting nervous. Even I was a sociable person, </a:t>
+            </a:r>
+            <a:r>
+              <a:rPr lang="en-US" baseline="0" dirty="0" err="1" smtClean="0"/>
+              <a:t>im</a:t>
+            </a:r>
+            <a:r>
+              <a:rPr lang="en-US" baseline="0" dirty="0" smtClean="0"/>
+              <a:t> still scared of being speak in public. </a:t>
+            </a:r>
+          </a:p>
+          <a:p>
+            <a:r>
+              <a:rPr lang="en-US" baseline="0" dirty="0" smtClean="0"/>
+              <a:t>I have a </a:t>
+            </a:r>
+            <a:r>
+              <a:rPr lang="en-US" baseline="0" dirty="0" err="1" smtClean="0"/>
+              <a:t>littile</a:t>
+            </a:r>
+            <a:r>
+              <a:rPr lang="en-US" baseline="0" dirty="0" smtClean="0"/>
+              <a:t> more knowledge about how a company work, the way, the rules of it, which answer my always-confusing-question.</a:t>
+            </a:r>
+          </a:p>
+          <a:p>
+            <a:r>
+              <a:rPr lang="en-US" baseline="0" dirty="0" smtClean="0"/>
+              <a:t>And I think </a:t>
+            </a:r>
+            <a:r>
+              <a:rPr lang="en-US" baseline="0" dirty="0" err="1" smtClean="0"/>
+              <a:t>i</a:t>
+            </a:r>
+            <a:r>
+              <a:rPr lang="en-US" baseline="0" dirty="0" smtClean="0"/>
+              <a:t> had more patience, more open mind to receive others advice for me and I really facing with it, not avoiding.</a:t>
+            </a:r>
+          </a:p>
+        </p:txBody>
+      </p:sp>
+      <p:sp>
+        <p:nvSpPr>
+          <p:cNvPr id="4" name="Slide Number Placeholder 3"/>
+          <p:cNvSpPr>
+            <a:spLocks noGrp="1"/>
+          </p:cNvSpPr>
+          <p:nvPr>
+            <p:ph type="sldNum" sz="quarter" idx="10"/>
+          </p:nvPr>
+        </p:nvSpPr>
+        <p:spPr/>
+        <p:txBody>
+          <a:bodyPr/>
+          <a:lstStyle/>
+          <a:p>
+            <a:fld id="{006BE02D-20C0-F840-AFAC-BEA99C74FDC2}" type="slidenum">
+              <a:rPr lang="en-US" smtClean="0"/>
+              <a:pPr/>
+              <a:t>10</a:t>
+            </a:fld>
+            <a:endParaRPr lang="en-US"/>
+          </a:p>
+        </p:txBody>
+      </p:sp>
+    </p:spTree>
+    <p:extLst>
+      <p:ext uri="{BB962C8B-B14F-4D97-AF65-F5344CB8AC3E}">
+        <p14:creationId xmlns:p14="http://schemas.microsoft.com/office/powerpoint/2010/main" val="1896905050"/>
+      </p:ext>
+    </p:extLst>
+  </p:cSld>
+  <p:clrMapOvr>
+    <a:masterClrMapping/>
+  </p:clrMapOvr>
+</p:notes>
+</file>
+
 <file path=ppt/slideLayouts/slideLayout1.xml><?xml version="1.0" encoding="utf-8"?>
 <p:sldLayout xmlns:a="http://schemas.openxmlformats.org/drawingml/2006/main" xmlns:r="http://schemas.openxmlformats.org/officeDocument/2006/relationships" xmlns:p="http://schemas.openxmlformats.org/presentationml/2006/main" type="title" preserve="1">
   <p:cSld name="Tiêu đề chính">
@@ -9406,28 +10865,28 @@
           <a:p>
             <a:pPr algn="l"/>
             <a:r>
-              <a:rPr kumimoji="1" lang="en-US" altLang="ja-JP" sz="4500" b="0" dirty="0" err="1" smtClean="0">
+              <a:rPr kumimoji="1" lang="en-US" altLang="ja-JP" sz="4500" dirty="0" err="1" smtClean="0">
                 <a:latin typeface="Arial" panose="020B0604020202020204" pitchFamily="34" charset="0"/>
                 <a:cs typeface="Arial" panose="020B0604020202020204" pitchFamily="34" charset="0"/>
               </a:rPr>
               <a:t>Phạm</a:t>
             </a:r>
             <a:r>
-              <a:rPr kumimoji="1" lang="en-US" altLang="ja-JP" sz="4500" b="0" dirty="0" smtClean="0">
+              <a:rPr kumimoji="1" lang="en-US" altLang="ja-JP" sz="4500" dirty="0" smtClean="0">
                 <a:latin typeface="Arial" panose="020B0604020202020204" pitchFamily="34" charset="0"/>
                 <a:cs typeface="Arial" panose="020B0604020202020204" pitchFamily="34" charset="0"/>
               </a:rPr>
               <a:t> </a:t>
             </a:r>
             <a:r>
-              <a:rPr kumimoji="1" lang="en-US" altLang="ja-JP" sz="4500" b="0" dirty="0">
+              <a:rPr kumimoji="1" lang="en-US" altLang="ja-JP" sz="4500" dirty="0">
                 <a:latin typeface="Arial" panose="020B0604020202020204" pitchFamily="34" charset="0"/>
                 <a:cs typeface="Arial" panose="020B0604020202020204" pitchFamily="34" charset="0"/>
               </a:rPr>
               <a:t>Kim Duy </a:t>
             </a:r>
             <a:r>
-              <a:rPr kumimoji="1" lang="en-US" altLang="ja-JP" sz="4500" b="0" dirty="0" smtClean="0">
+              <a:rPr kumimoji="1" lang="en-US" altLang="ja-JP" sz="4500" dirty="0" smtClean="0">
                 <a:latin typeface="Arial" panose="020B0604020202020204" pitchFamily="34" charset="0"/>
                 <a:cs typeface="Arial" panose="020B0604020202020204" pitchFamily="34" charset="0"/>
               </a:rPr>
@@ -9437,7 +10896,7 @@
           <a:p>
             <a:pPr algn="l"/>
             <a:r>
-              <a:rPr kumimoji="1" lang="en-US" altLang="ja-JP" sz="4500" b="0" dirty="0" smtClean="0">
+              <a:rPr kumimoji="1" lang="en-US" altLang="ja-JP" sz="4500" dirty="0" smtClean="0">
                 <a:latin typeface="Arial" panose="020B0604020202020204" pitchFamily="34" charset="0"/>
                 <a:cs typeface="Arial" panose="020B0604020202020204" pitchFamily="34" charset="0"/>
               </a:rPr>
@@ -9447,7 +10906,7 @@
           <a:p>
             <a:pPr algn="l"/>
             <a:r>
-              <a:rPr kumimoji="1" lang="en-US" altLang="ja-JP" sz="4500" b="0" dirty="0" smtClean="0">
+              <a:rPr kumimoji="1" lang="en-US" altLang="ja-JP" sz="4500" dirty="0" smtClean="0">
                 <a:latin typeface="Arial" panose="020B0604020202020204" pitchFamily="34" charset="0"/>
                 <a:cs typeface="Arial" panose="020B0604020202020204" pitchFamily="34" charset="0"/>
               </a:rPr>
@@ -9456,7 +10915,7 @@
           </a:p>
           <a:p>
             <a:pPr algn="l"/>
-            <a:endParaRPr kumimoji="1" lang="ja-JP" altLang="en-US" sz="4500" b="0" dirty="0">
+            <a:endParaRPr kumimoji="1" lang="ja-JP" altLang="en-US" sz="4500" dirty="0">
               <a:latin typeface="Arial" panose="020B0604020202020204" pitchFamily="34" charset="0"/>
               <a:cs typeface="Arial" panose="020B0604020202020204" pitchFamily="34" charset="0"/>
             </a:endParaRPr>
@@ -9534,7 +10993,7 @@
           <p:nvPr/>
         </p:nvPicPr>
         <p:blipFill>
-          <a:blip r:embed="rId2">
+          <a:blip r:embed="rId3">
             <a:extLst>
               <a:ext uri="{28A0092B-C50C-407E-A947-70E740481C1C}">
                 <a14:useLocalDpi xmlns:a14="http://schemas.microsoft.com/office/drawing/2010/main" val="0"/>
@@ -9563,8 +11022,8 @@
         </p:nvSpPr>
         <p:spPr>
           <a:xfrm>
-            <a:off x="1115568" y="4084320"/>
-            <a:ext cx="11073258" cy="4247317"/>
+            <a:off x="1115568" y="2726215"/>
+            <a:ext cx="11073258" cy="8402300"/>
           </a:xfrm>
           <a:prstGeom prst="rect">
             <a:avLst/>
@@ -9578,22 +11037,9 @@
           <a:lstStyle/>
           <a:p>
             <a:pPr marL="571500" indent="-571500">
-              <a:buFont typeface="Arial" panose="020B0604020202020204" pitchFamily="34" charset="0"/>
-              <a:buChar char="•"/>
-            </a:pPr>
-            <a:r>
-              <a:rPr lang="en-US" sz="4500" dirty="0" smtClean="0">
-                <a:solidFill>
-                  <a:schemeClr val="tx2"/>
-                </a:solidFill>
-                <a:latin typeface="Arial" panose="020B0604020202020204" pitchFamily="34" charset="0"/>
-                <a:cs typeface="Arial" panose="020B0604020202020204" pitchFamily="34" charset="0"/>
-              </a:rPr>
-              <a:t>Orientation</a:t>
-            </a:r>
-          </a:p>
-          <a:p>
-            <a:pPr marL="571500" indent="-571500">
+              <a:lnSpc>
+                <a:spcPct val="200000"/>
+              </a:lnSpc>
               <a:buFont typeface="Arial" panose="020B0604020202020204" pitchFamily="34" charset="0"/>
               <a:buChar char="•"/>
             </a:pPr>
@@ -9607,9 +11053,45 @@
               </a:rPr>
               <a:t>Self-Management</a:t>
             </a:r>
+            <a:endParaRPr lang="en-US" sz="4500" dirty="0">
+              <a:solidFill>
+                <a:schemeClr val="tx2"/>
+              </a:solidFill>
+              <a:latin typeface="Arial" panose="020B0604020202020204" pitchFamily="34" charset="0"/>
+              <a:cs typeface="Arial" panose="020B0604020202020204" pitchFamily="34" charset="0"/>
+            </a:endParaRPr>
           </a:p>
           <a:p>
             <a:pPr marL="571500" indent="-571500">
+              <a:lnSpc>
+                <a:spcPct val="200000"/>
+              </a:lnSpc>
+              <a:buFont typeface="Arial" panose="020B0604020202020204" pitchFamily="34" charset="0"/>
+              <a:buChar char="•"/>
+            </a:pPr>
+            <a:r>
+              <a:rPr lang="en-US" sz="4500" dirty="0">
+                <a:solidFill>
+                  <a:schemeClr val="tx2"/>
+                </a:solidFill>
+                <a:latin typeface="Arial" panose="020B0604020202020204" pitchFamily="34" charset="0"/>
+                <a:cs typeface="Arial" panose="020B0604020202020204" pitchFamily="34" charset="0"/>
+              </a:rPr>
+              <a:t>Orientation</a:t>
+            </a:r>
+            <a:endParaRPr lang="en-US" sz="4500" dirty="0" smtClean="0">
+              <a:solidFill>
+                <a:schemeClr val="tx2"/>
+              </a:solidFill>
+              <a:latin typeface="Arial" panose="020B0604020202020204" pitchFamily="34" charset="0"/>
+              <a:cs typeface="Arial" panose="020B0604020202020204" pitchFamily="34" charset="0"/>
+            </a:endParaRPr>
+          </a:p>
+          <a:p>
+            <a:pPr marL="571500" indent="-571500">
+              <a:lnSpc>
+                <a:spcPct val="200000"/>
+              </a:lnSpc>
               <a:buFont typeface="Arial" panose="020B0604020202020204" pitchFamily="34" charset="0"/>
               <a:buChar char="•"/>
             </a:pPr>
@@ -9621,11 +11103,24 @@
                 <a:latin typeface="Arial" panose="020B0604020202020204" pitchFamily="34" charset="0"/>
                 <a:cs typeface="Arial" panose="020B0604020202020204" pitchFamily="34" charset="0"/>
               </a:rPr>
-              <a:t>Presenting skills</a:t>
+              <a:t>Presenting </a:t>
+            </a:r>
+            <a:r>
+              <a:rPr lang="en-US" sz="4500" dirty="0" smtClean="0">
+                <a:solidFill>
+                  <a:schemeClr val="tx2"/>
+                </a:solidFill>
+                <a:latin typeface="Arial" panose="020B0604020202020204" pitchFamily="34" charset="0"/>
+                <a:cs typeface="Arial" panose="020B0604020202020204" pitchFamily="34" charset="0"/>
+              </a:rPr>
+              <a:t>skill</a:t>
             </a:r>
           </a:p>
           <a:p>
             <a:pPr marL="571500" indent="-571500">
+              <a:lnSpc>
+                <a:spcPct val="200000"/>
+              </a:lnSpc>
               <a:buFont typeface="Arial" panose="020B0604020202020204" pitchFamily="34" charset="0"/>
               <a:buChar char="•"/>
             </a:pPr>
@@ -9649,6 +11144,9 @@
           </a:p>
           <a:p>
             <a:pPr marL="571500" indent="-571500">
+              <a:lnSpc>
+                <a:spcPct val="200000"/>
+              </a:lnSpc>
               <a:buFont typeface="Arial" panose="020B0604020202020204" pitchFamily="34" charset="0"/>
               <a:buChar char="•"/>
             </a:pPr>
@@ -9662,6 +11160,9 @@
           </a:p>
           <a:p>
             <a:pPr marL="571500" indent="-571500">
+              <a:lnSpc>
+                <a:spcPct val="200000"/>
+              </a:lnSpc>
               <a:buFont typeface="Arial" panose="020B0604020202020204" pitchFamily="34" charset="0"/>
               <a:buChar char="•"/>
             </a:pPr>
@@ -9750,7 +11251,7 @@
           <p:nvPr/>
         </p:nvPicPr>
         <p:blipFill>
-          <a:blip r:embed="rId2" cstate="email">
+          <a:blip r:embed="rId3" cstate="email">
             <a:extLst>
               <a:ext uri="{28A0092B-C50C-407E-A947-70E740481C1C}">
                 <a14:useLocalDpi xmlns:a14="http://schemas.microsoft.com/office/drawing/2010/main" val="0"/>
@@ -10000,6 +11501,47 @@
           </a:p>
         </p:txBody>
       </p:sp>
+      <p:pic>
+        <p:nvPicPr>
+          <p:cNvPr id="3076" name="Picture 4" descr="Agenda Stock photography - agenda png download - 960*649 - Free ..."/>
+          <p:cNvPicPr>
+            <a:picLocks noChangeAspect="1" noChangeArrowheads="1"/>
+          </p:cNvPicPr>
+          <p:nvPr/>
+        </p:nvPicPr>
+        <p:blipFill>
+          <a:blip r:embed="rId3">
+            <a:extLst>
+              <a:ext uri="{28A0092B-C50C-407E-A947-70E740481C1C}">
+                <a14:useLocalDpi xmlns:a14="http://schemas.microsoft.com/office/drawing/2010/main" val="0"/>
+              </a:ext>
+            </a:extLst>
+          </a:blip>
+          <a:srcRect/>
+          <a:stretch>
+            <a:fillRect/>
+          </a:stretch>
+        </p:blipFill>
+        <p:spPr bwMode="auto">
+          <a:xfrm>
+            <a:off x="15601520" y="2624081"/>
+            <a:ext cx="7417183" cy="5012395"/>
+          </a:xfrm>
+          <a:prstGeom prst="rect">
+            <a:avLst/>
+          </a:prstGeom>
+          <a:noFill/>
+          <a:extLst>
+            <a:ext uri="{909E8E84-426E-40DD-AFC4-6F175D3DCCD1}">
+              <a14:hiddenFill xmlns:a14="http://schemas.microsoft.com/office/drawing/2010/main">
+                <a:solidFill>
+                  <a:srgbClr val="FFFFFF"/>
+                </a:solidFill>
+              </a14:hiddenFill>
+            </a:ext>
+          </a:extLst>
+        </p:spPr>
+      </p:pic>
     </p:spTree>
     <p:extLst>
       <p:ext uri="{BB962C8B-B14F-4D97-AF65-F5344CB8AC3E}">
@@ -10118,8 +11660,8 @@
         </p:nvSpPr>
         <p:spPr>
           <a:xfrm>
-            <a:off x="9656064" y="4224528"/>
-            <a:ext cx="12472416" cy="6186309"/>
+            <a:off x="9656064" y="3785616"/>
+            <a:ext cx="12472416" cy="8125301"/>
           </a:xfrm>
           <a:prstGeom prst="rect">
             <a:avLst/>
@@ -10132,6 +11674,11 @@
           </a:bodyPr>
           <a:lstStyle/>
           <a:p>
+            <a:pPr>
+              <a:lnSpc>
+                <a:spcPct val="150000"/>
+              </a:lnSpc>
+            </a:pPr>
             <a:r>
               <a:rPr lang="en-US" sz="4500" dirty="0" err="1" smtClean="0">
                 <a:solidFill>
@@ -10164,6 +11711,11 @@
             </a:r>
           </a:p>
           <a:p>
+            <a:pPr>
+              <a:lnSpc>
+                <a:spcPct val="150000"/>
+              </a:lnSpc>
+            </a:pPr>
             <a:r>
               <a:rPr lang="en-US" sz="4500" dirty="0" err="1" smtClean="0">
                 <a:solidFill>
@@ -10186,6 +11738,11 @@
             </a:r>
           </a:p>
           <a:p>
+            <a:pPr>
+              <a:lnSpc>
+                <a:spcPct val="150000"/>
+              </a:lnSpc>
+            </a:pPr>
             <a:endParaRPr lang="en-US" sz="4500" dirty="0" smtClean="0">
               <a:solidFill>
                 <a:schemeClr val="tx2"/>
@@ -10195,6 +11752,11 @@
             </a:endParaRPr>
           </a:p>
           <a:p>
+            <a:pPr>
+              <a:lnSpc>
+                <a:spcPct val="150000"/>
+              </a:lnSpc>
+            </a:pPr>
             <a:r>
               <a:rPr lang="en-US" sz="4500" dirty="0" smtClean="0">
                 <a:solidFill>
@@ -10203,37 +11765,15 @@
                 <a:latin typeface="Arial" panose="020B0604020202020204" pitchFamily="34" charset="0"/>
                 <a:cs typeface="Arial" panose="020B0604020202020204" pitchFamily="34" charset="0"/>
               </a:rPr>
-              <a:t>Hobbies : Book, Music</a:t>
-            </a:r>
-            <a:r>
-              <a:rPr lang="en-US" sz="4500" smtClean="0">
-                <a:solidFill>
-                  <a:schemeClr val="tx2"/>
-                </a:solidFill>
-                <a:latin typeface="Arial" panose="020B0604020202020204" pitchFamily="34" charset="0"/>
-                <a:cs typeface="Arial" panose="020B0604020202020204" pitchFamily="34" charset="0"/>
-              </a:rPr>
-              <a:t>, </a:t>
-            </a:r>
-            <a:r>
-              <a:rPr lang="en-US" sz="4500" smtClean="0">
-                <a:solidFill>
-                  <a:schemeClr val="tx2"/>
-                </a:solidFill>
-                <a:latin typeface="Arial" panose="020B0604020202020204" pitchFamily="34" charset="0"/>
-                <a:cs typeface="Arial" panose="020B0604020202020204" pitchFamily="34" charset="0"/>
-              </a:rPr>
-              <a:t>Wanderlust…</a:t>
-            </a:r>
-            <a:endParaRPr lang="en-US" sz="4500" dirty="0" smtClean="0">
-              <a:solidFill>
-                <a:schemeClr val="tx2"/>
-              </a:solidFill>
-              <a:latin typeface="Arial" panose="020B0604020202020204" pitchFamily="34" charset="0"/>
-              <a:cs typeface="Arial" panose="020B0604020202020204" pitchFamily="34" charset="0"/>
-            </a:endParaRPr>
-          </a:p>
-          <a:p>
+              <a:t>Hobbies : Book, Music, Wanderlust…</a:t>
+            </a:r>
+          </a:p>
+          <a:p>
+            <a:pPr>
+              <a:lnSpc>
+                <a:spcPct val="150000"/>
+              </a:lnSpc>
+            </a:pPr>
             <a:endParaRPr lang="en-US" dirty="0">
               <a:solidFill>
                 <a:schemeClr val="tx2"/>
@@ -10243,6 +11783,11 @@
             </a:endParaRPr>
           </a:p>
           <a:p>
+            <a:pPr>
+              <a:lnSpc>
+                <a:spcPct val="150000"/>
+              </a:lnSpc>
+            </a:pPr>
             <a:r>
               <a:rPr lang="en-US" dirty="0" smtClean="0">
                 <a:solidFill>
@@ -10449,8 +11994,8 @@
         </p:nvSpPr>
         <p:spPr>
           <a:xfrm>
-            <a:off x="5394960" y="2322576"/>
-            <a:ext cx="5596128" cy="784830"/>
+            <a:off x="4973133" y="2322576"/>
+            <a:ext cx="3646232" cy="784830"/>
           </a:xfrm>
           <a:prstGeom prst="rect">
             <a:avLst/>
@@ -10464,7 +12009,7 @@
           <a:lstStyle/>
           <a:p>
             <a:r>
-              <a:rPr lang="en-US" sz="4500" dirty="0" smtClean="0">
+              <a:rPr lang="en-US" sz="4500" b="1" dirty="0" smtClean="0">
                 <a:solidFill>
                   <a:schemeClr val="tx2"/>
                 </a:solidFill>
@@ -10473,7 +12018,7 @@
               </a:rPr>
               <a:t>Strength</a:t>
             </a:r>
-            <a:endParaRPr lang="en-US" sz="4500" dirty="0">
+            <a:endParaRPr lang="en-US" sz="4500" b="1" dirty="0">
               <a:solidFill>
                 <a:schemeClr val="tx2"/>
               </a:solidFill>
@@ -10491,7 +12036,7 @@
         </p:nvSpPr>
         <p:spPr>
           <a:xfrm>
-            <a:off x="14868145" y="2322576"/>
+            <a:off x="13782072" y="2322576"/>
             <a:ext cx="3072384" cy="1477328"/>
           </a:xfrm>
           <a:prstGeom prst="rect">
@@ -10506,7 +12051,7 @@
           <a:lstStyle/>
           <a:p>
             <a:r>
-              <a:rPr lang="en-US" sz="4500" dirty="0" smtClean="0">
+              <a:rPr lang="en-US" sz="4500" b="1" dirty="0" smtClean="0">
                 <a:solidFill>
                   <a:schemeClr val="tx2"/>
                 </a:solidFill>
@@ -10517,7 +12062,7 @@
             </a:r>
           </a:p>
           <a:p>
-            <a:endParaRPr lang="en-US" sz="4500" dirty="0">
+            <a:endParaRPr lang="en-US" sz="4500" b="1" dirty="0">
               <a:solidFill>
                 <a:schemeClr val="tx2"/>
               </a:solidFill>
@@ -10566,7 +12111,7 @@
         <p:spPr>
           <a:xfrm>
             <a:off x="3163824" y="3522905"/>
-            <a:ext cx="6876288" cy="3554819"/>
+            <a:ext cx="6876288" cy="7017306"/>
           </a:xfrm>
           <a:prstGeom prst="rect">
             <a:avLst/>
@@ -10580,6 +12125,9 @@
           <a:lstStyle/>
           <a:p>
             <a:pPr marL="571500" indent="-571500">
+              <a:lnSpc>
+                <a:spcPct val="200000"/>
+              </a:lnSpc>
               <a:buFont typeface="Arial" panose="020B0604020202020204" pitchFamily="34" charset="0"/>
               <a:buChar char="•"/>
             </a:pPr>
@@ -10596,6 +12144,9 @@
           </a:p>
           <a:p>
             <a:pPr marL="571500" indent="-571500">
+              <a:lnSpc>
+                <a:spcPct val="200000"/>
+              </a:lnSpc>
               <a:buFont typeface="Arial" panose="020B0604020202020204" pitchFamily="34" charset="0"/>
               <a:buChar char="•"/>
             </a:pPr>
@@ -10612,6 +12163,9 @@
           </a:p>
           <a:p>
             <a:pPr marL="571500" indent="-571500">
+              <a:lnSpc>
+                <a:spcPct val="200000"/>
+              </a:lnSpc>
               <a:buFont typeface="Arial" panose="020B0604020202020204" pitchFamily="34" charset="0"/>
               <a:buChar char="•"/>
             </a:pPr>
@@ -10628,6 +12182,9 @@
           </a:p>
           <a:p>
             <a:pPr marL="571500" indent="-571500">
+              <a:lnSpc>
+                <a:spcPct val="200000"/>
+              </a:lnSpc>
               <a:buFont typeface="Arial" panose="020B0604020202020204" pitchFamily="34" charset="0"/>
               <a:buChar char="•"/>
             </a:pPr>
@@ -10644,6 +12201,9 @@
           </a:p>
           <a:p>
             <a:pPr marL="571500" indent="-571500">
+              <a:lnSpc>
+                <a:spcPct val="200000"/>
+              </a:lnSpc>
               <a:buFont typeface="Arial" panose="020B0604020202020204" pitchFamily="34" charset="0"/>
               <a:buChar char="•"/>
             </a:pPr>
@@ -10655,7 +12215,7 @@
                 <a:latin typeface="Arial" panose="020B0604020202020204" pitchFamily="34" charset="0"/>
                 <a:cs typeface="Arial" panose="020B0604020202020204" pitchFamily="34" charset="0"/>
               </a:rPr>
-              <a:t>Live by “code”</a:t>
+              <a:t>Live by the code</a:t>
             </a:r>
             <a:endParaRPr lang="en-US" sz="4500" dirty="0">
               <a:solidFill>
@@ -10676,7 +12236,7 @@
         <p:spPr>
           <a:xfrm>
             <a:off x="12435840" y="3522905"/>
-            <a:ext cx="6967728" cy="4939814"/>
+            <a:ext cx="6967728" cy="11172289"/>
           </a:xfrm>
           <a:prstGeom prst="rect">
             <a:avLst/>
@@ -10690,6 +12250,9 @@
           <a:lstStyle/>
           <a:p>
             <a:pPr marL="571500" indent="-571500">
+              <a:lnSpc>
+                <a:spcPct val="200000"/>
+              </a:lnSpc>
               <a:buFont typeface="Arial" panose="020B0604020202020204" pitchFamily="34" charset="0"/>
               <a:buChar char="•"/>
             </a:pPr>
@@ -10706,6 +12269,9 @@
           </a:p>
           <a:p>
             <a:pPr marL="571500" indent="-571500">
+              <a:lnSpc>
+                <a:spcPct val="200000"/>
+              </a:lnSpc>
               <a:buFont typeface="Arial" panose="020B0604020202020204" pitchFamily="34" charset="0"/>
               <a:buChar char="•"/>
             </a:pPr>
@@ -10722,6 +12288,9 @@
           </a:p>
           <a:p>
             <a:pPr marL="571500" indent="-571500">
+              <a:lnSpc>
+                <a:spcPct val="200000"/>
+              </a:lnSpc>
               <a:buFont typeface="Arial" panose="020B0604020202020204" pitchFamily="34" charset="0"/>
               <a:buChar char="•"/>
             </a:pPr>
@@ -10737,43 +12306,24 @@
             </a:r>
           </a:p>
           <a:p>
+            <a:pPr>
+              <a:lnSpc>
+                <a:spcPct val="200000"/>
+              </a:lnSpc>
+            </a:pPr>
+            <a:endParaRPr lang="en-US" sz="4500" dirty="0" smtClean="0">
+              <a:solidFill>
+                <a:schemeClr val="tx2"/>
+              </a:solidFill>
+              <a:latin typeface="Arial" panose="020B0604020202020204" pitchFamily="34" charset="0"/>
+              <a:cs typeface="Arial" panose="020B0604020202020204" pitchFamily="34" charset="0"/>
+            </a:endParaRPr>
+          </a:p>
+          <a:p>
             <a:pPr marL="571500" indent="-571500">
-              <a:buFont typeface="Arial" panose="020B0604020202020204" pitchFamily="34" charset="0"/>
-              <a:buChar char="•"/>
-            </a:pPr>
-            <a:r>
-              <a:rPr lang="en-US" sz="4500" dirty="0" smtClean="0">
-                <a:solidFill>
-                  <a:schemeClr val="tx2"/>
-                </a:solidFill>
-                <a:latin typeface="Arial" panose="020B0604020202020204" pitchFamily="34" charset="0"/>
-                <a:cs typeface="Arial" panose="020B0604020202020204" pitchFamily="34" charset="0"/>
-              </a:rPr>
-              <a:t>Lack </a:t>
-            </a:r>
-            <a:r>
-              <a:rPr lang="en-US" sz="4500" dirty="0">
-                <a:solidFill>
-                  <a:schemeClr val="tx2"/>
-                </a:solidFill>
-                <a:latin typeface="Arial" panose="020B0604020202020204" pitchFamily="34" charset="0"/>
-                <a:cs typeface="Arial" panose="020B0604020202020204" pitchFamily="34" charset="0"/>
-              </a:rPr>
-              <a:t>of </a:t>
-            </a:r>
-            <a:r>
-              <a:rPr lang="en-US" sz="4500" dirty="0" smtClean="0">
-                <a:solidFill>
-                  <a:schemeClr val="tx2"/>
-                </a:solidFill>
-                <a:latin typeface="Arial" panose="020B0604020202020204" pitchFamily="34" charset="0"/>
-                <a:cs typeface="Arial" panose="020B0604020202020204" pitchFamily="34" charset="0"/>
-              </a:rPr>
-              <a:t>composure</a:t>
-            </a:r>
-          </a:p>
-          <a:p>
-            <a:pPr marL="571500" indent="-571500">
+              <a:lnSpc>
+                <a:spcPct val="200000"/>
+              </a:lnSpc>
               <a:buFont typeface="Arial" panose="020B0604020202020204" pitchFamily="34" charset="0"/>
               <a:buChar char="•"/>
             </a:pPr>
@@ -10786,6 +12336,13 @@
             </a:endParaRPr>
           </a:p>
           <a:p>
+            <a:pPr marL="571500" indent="-571500">
+              <a:lnSpc>
+                <a:spcPct val="200000"/>
+              </a:lnSpc>
+              <a:buFont typeface="Arial" panose="020B0604020202020204" pitchFamily="34" charset="0"/>
+              <a:buChar char="•"/>
+            </a:pPr>
             <a:endParaRPr lang="en-US" sz="4500" dirty="0" smtClean="0">
               <a:solidFill>
                 <a:schemeClr val="tx2"/>
@@ -10795,7 +12352,24 @@
             </a:endParaRPr>
           </a:p>
           <a:p>
+            <a:pPr>
+              <a:lnSpc>
+                <a:spcPct val="200000"/>
+              </a:lnSpc>
+            </a:pPr>
+            <a:endParaRPr lang="en-US" sz="4500" dirty="0" smtClean="0">
+              <a:solidFill>
+                <a:schemeClr val="tx2"/>
+              </a:solidFill>
+              <a:latin typeface="Arial" panose="020B0604020202020204" pitchFamily="34" charset="0"/>
+              <a:cs typeface="Arial" panose="020B0604020202020204" pitchFamily="34" charset="0"/>
+            </a:endParaRPr>
+          </a:p>
+          <a:p>
             <a:pPr marL="571500" indent="-571500">
+              <a:lnSpc>
+                <a:spcPct val="200000"/>
+              </a:lnSpc>
               <a:buFont typeface="Arial" panose="020B0604020202020204" pitchFamily="34" charset="0"/>
               <a:buChar char="•"/>
             </a:pPr>
@@ -10809,6 +12383,88 @@
           </a:p>
         </p:txBody>
       </p:sp>
+      <p:pic>
+        <p:nvPicPr>
+          <p:cNvPr id="2050" name="Picture 2" descr="Strength icons | Noun Project | Strength icon, Royalty free icons ..."/>
+          <p:cNvPicPr>
+            <a:picLocks noChangeAspect="1" noChangeArrowheads="1"/>
+          </p:cNvPicPr>
+          <p:nvPr/>
+        </p:nvPicPr>
+        <p:blipFill>
+          <a:blip r:embed="rId3">
+            <a:extLst>
+              <a:ext uri="{28A0092B-C50C-407E-A947-70E740481C1C}">
+                <a14:useLocalDpi xmlns:a14="http://schemas.microsoft.com/office/drawing/2010/main" val="0"/>
+              </a:ext>
+            </a:extLst>
+          </a:blip>
+          <a:srcRect/>
+          <a:stretch>
+            <a:fillRect/>
+          </a:stretch>
+        </p:blipFill>
+        <p:spPr bwMode="auto">
+          <a:xfrm>
+            <a:off x="2807895" y="1592238"/>
+            <a:ext cx="1905000" cy="1905000"/>
+          </a:xfrm>
+          <a:prstGeom prst="rect">
+            <a:avLst/>
+          </a:prstGeom>
+          <a:noFill/>
+          <a:extLst>
+            <a:ext uri="{909E8E84-426E-40DD-AFC4-6F175D3DCCD1}">
+              <a14:hiddenFill xmlns:a14="http://schemas.microsoft.com/office/drawing/2010/main">
+                <a:solidFill>
+                  <a:srgbClr val="FFFFFF"/>
+                </a:solidFill>
+              </a14:hiddenFill>
+            </a:ext>
+          </a:extLst>
+        </p:spPr>
+      </p:pic>
+      <p:pic>
+        <p:nvPicPr>
+          <p:cNvPr id="2052" name="Picture 4" descr="Icon Sprint: Strength by Geremy Mumenthaler for Noun Project on ..."/>
+          <p:cNvPicPr>
+            <a:picLocks noChangeAspect="1" noChangeArrowheads="1"/>
+          </p:cNvPicPr>
+          <p:nvPr/>
+        </p:nvPicPr>
+        <p:blipFill>
+          <a:blip r:embed="rId4" cstate="email">
+            <a:extLst>
+              <a:ext uri="{28A0092B-C50C-407E-A947-70E740481C1C}">
+                <a14:useLocalDpi xmlns:a14="http://schemas.microsoft.com/office/drawing/2010/main" val="0"/>
+              </a:ext>
+            </a:extLst>
+          </a:blip>
+          <a:srcRect/>
+          <a:stretch>
+            <a:fillRect/>
+          </a:stretch>
+        </p:blipFill>
+        <p:spPr bwMode="auto">
+          <a:xfrm>
+            <a:off x="16866158" y="1520014"/>
+            <a:ext cx="2669060" cy="2389954"/>
+          </a:xfrm>
+          <a:prstGeom prst="rect">
+            <a:avLst/>
+          </a:prstGeom>
+          <a:noFill/>
+          <a:extLst>
+            <a:ext uri="{909E8E84-426E-40DD-AFC4-6F175D3DCCD1}">
+              <a14:hiddenFill xmlns:a14="http://schemas.microsoft.com/office/drawing/2010/main">
+                <a:solidFill>
+                  <a:srgbClr val="FFFFFF"/>
+                </a:solidFill>
+              </a14:hiddenFill>
+            </a:ext>
+          </a:extLst>
+        </p:spPr>
+      </p:pic>
     </p:spTree>
     <p:extLst>
       <p:ext uri="{BB962C8B-B14F-4D97-AF65-F5344CB8AC3E}">
@@ -10884,7 +12540,7 @@
           <p:nvPr/>
         </p:nvPicPr>
         <p:blipFill>
-          <a:blip r:embed="rId2">
+          <a:blip r:embed="rId3">
             <a:extLst>
               <a:ext uri="{28A0092B-C50C-407E-A947-70E740481C1C}">
                 <a14:useLocalDpi xmlns:a14="http://schemas.microsoft.com/office/drawing/2010/main" val="0"/>
@@ -10914,7 +12570,7 @@
           <p:nvPr/>
         </p:nvPicPr>
         <p:blipFill>
-          <a:blip r:embed="rId3" cstate="email">
+          <a:blip r:embed="rId4" cstate="email">
             <a:extLst>
               <a:ext uri="{28A0092B-C50C-407E-A947-70E740481C1C}">
                 <a14:useLocalDpi xmlns:a14="http://schemas.microsoft.com/office/drawing/2010/main" val="0"/>
@@ -10944,7 +12600,7 @@
           <p:nvPr/>
         </p:nvPicPr>
         <p:blipFill>
-          <a:blip r:embed="rId4">
+          <a:blip r:embed="rId5">
             <a:extLst>
               <a:ext uri="{28A0092B-C50C-407E-A947-70E740481C1C}">
                 <a14:useLocalDpi xmlns:a14="http://schemas.microsoft.com/office/drawing/2010/main" val="0"/>
@@ -10974,7 +12630,7 @@
           <p:nvPr/>
         </p:nvPicPr>
         <p:blipFill>
-          <a:blip r:embed="rId5">
+          <a:blip r:embed="rId6">
             <a:extLst>
               <a:ext uri="{28A0092B-C50C-407E-A947-70E740481C1C}">
                 <a14:useLocalDpi xmlns:a14="http://schemas.microsoft.com/office/drawing/2010/main" val="0"/>
@@ -11004,7 +12660,7 @@
           <p:nvPr/>
         </p:nvPicPr>
         <p:blipFill>
-          <a:blip r:embed="rId6" cstate="email">
+          <a:blip r:embed="rId7" cstate="email">
             <a:extLst>
               <a:ext uri="{28A0092B-C50C-407E-A947-70E740481C1C}">
                 <a14:useLocalDpi xmlns:a14="http://schemas.microsoft.com/office/drawing/2010/main" val="0"/>
@@ -11107,7 +12763,7 @@
         <p:spPr>
           <a:xfrm>
             <a:off x="1675965" y="3291840"/>
-            <a:ext cx="21616416" cy="5632311"/>
+            <a:ext cx="21616416" cy="10957359"/>
           </a:xfrm>
           <a:prstGeom prst="rect">
             <a:avLst/>
@@ -11121,6 +12777,9 @@
           <a:lstStyle/>
           <a:p>
             <a:pPr marL="571500" indent="-571500">
+              <a:lnSpc>
+                <a:spcPct val="200000"/>
+              </a:lnSpc>
               <a:buFont typeface="Arial" panose="020B0604020202020204" pitchFamily="34" charset="0"/>
               <a:buChar char="•"/>
             </a:pPr>
@@ -11137,6 +12796,9 @@
           </a:p>
           <a:p>
             <a:pPr marL="571500" indent="-571500">
+              <a:lnSpc>
+                <a:spcPct val="200000"/>
+              </a:lnSpc>
               <a:buFont typeface="Arial" panose="020B0604020202020204" pitchFamily="34" charset="0"/>
               <a:buChar char="•"/>
             </a:pPr>
@@ -11153,6 +12815,9 @@
           </a:p>
           <a:p>
             <a:pPr marL="571500" indent="-571500">
+              <a:lnSpc>
+                <a:spcPct val="200000"/>
+              </a:lnSpc>
               <a:buFont typeface="Arial" panose="020B0604020202020204" pitchFamily="34" charset="0"/>
               <a:buChar char="•"/>
             </a:pPr>
@@ -11169,6 +12834,9 @@
           </a:p>
           <a:p>
             <a:pPr marL="571500" indent="-571500">
+              <a:lnSpc>
+                <a:spcPct val="200000"/>
+              </a:lnSpc>
               <a:buFont typeface="Arial" panose="020B0604020202020204" pitchFamily="34" charset="0"/>
               <a:buChar char="•"/>
             </a:pPr>
@@ -11185,6 +12853,9 @@
           </a:p>
           <a:p>
             <a:pPr marL="571500" indent="-571500">
+              <a:lnSpc>
+                <a:spcPct val="200000"/>
+              </a:lnSpc>
               <a:buFont typeface="Arial" panose="020B0604020202020204" pitchFamily="34" charset="0"/>
               <a:buChar char="•"/>
             </a:pPr>
@@ -11198,6 +12869,9 @@
           </a:p>
           <a:p>
             <a:pPr marL="571500" indent="-571500">
+              <a:lnSpc>
+                <a:spcPct val="200000"/>
+              </a:lnSpc>
               <a:buFont typeface="Arial" panose="020B0604020202020204" pitchFamily="34" charset="0"/>
               <a:buChar char="•"/>
             </a:pPr>
@@ -11211,6 +12885,9 @@
           </a:p>
           <a:p>
             <a:pPr marL="571500" indent="-571500">
+              <a:lnSpc>
+                <a:spcPct val="200000"/>
+              </a:lnSpc>
               <a:buFont typeface="Arial" panose="020B0604020202020204" pitchFamily="34" charset="0"/>
               <a:buChar char="•"/>
             </a:pPr>
@@ -11224,6 +12901,9 @@
           </a:p>
           <a:p>
             <a:pPr marL="571500" indent="-571500">
+              <a:lnSpc>
+                <a:spcPct val="200000"/>
+              </a:lnSpc>
               <a:buFont typeface="Arial" panose="020B0604020202020204" pitchFamily="34" charset="0"/>
               <a:buChar char="•"/>
             </a:pPr>
@@ -11237,6 +12917,47 @@
           </a:p>
         </p:txBody>
       </p:sp>
+      <p:pic>
+        <p:nvPicPr>
+          <p:cNvPr id="1026" name="Picture 2" descr="How A Hispanic Business Owner Overcame Startup Obstacles"/>
+          <p:cNvPicPr>
+            <a:picLocks noChangeAspect="1" noChangeArrowheads="1"/>
+          </p:cNvPicPr>
+          <p:nvPr/>
+        </p:nvPicPr>
+        <p:blipFill>
+          <a:blip r:embed="rId3">
+            <a:extLst>
+              <a:ext uri="{28A0092B-C50C-407E-A947-70E740481C1C}">
+                <a14:useLocalDpi xmlns:a14="http://schemas.microsoft.com/office/drawing/2010/main" val="0"/>
+              </a:ext>
+            </a:extLst>
+          </a:blip>
+          <a:srcRect/>
+          <a:stretch>
+            <a:fillRect/>
+          </a:stretch>
+        </p:blipFill>
+        <p:spPr bwMode="auto">
+          <a:xfrm>
+            <a:off x="11696784" y="2674938"/>
+            <a:ext cx="10743086" cy="8057316"/>
+          </a:xfrm>
+          <a:prstGeom prst="rect">
+            <a:avLst/>
+          </a:prstGeom>
+          <a:noFill/>
+          <a:extLst>
+            <a:ext uri="{909E8E84-426E-40DD-AFC4-6F175D3DCCD1}">
+              <a14:hiddenFill xmlns:a14="http://schemas.microsoft.com/office/drawing/2010/main">
+                <a:solidFill>
+                  <a:srgbClr val="FFFFFF"/>
+                </a:solidFill>
+              </a14:hiddenFill>
+            </a:ext>
+          </a:extLst>
+        </p:spPr>
+      </p:pic>
     </p:spTree>
     <p:extLst>
       <p:ext uri="{BB962C8B-B14F-4D97-AF65-F5344CB8AC3E}">
@@ -11312,7 +13033,7 @@
           <p:nvPr/>
         </p:nvPicPr>
         <p:blipFill>
-          <a:blip r:embed="rId2" cstate="email">
+          <a:blip r:embed="rId3" cstate="email">
             <a:extLst>
               <a:ext uri="{28A0092B-C50C-407E-A947-70E740481C1C}">
                 <a14:useLocalDpi xmlns:a14="http://schemas.microsoft.com/office/drawing/2010/main" val="0"/>
@@ -11342,7 +13063,7 @@
           <p:nvPr/>
         </p:nvPicPr>
         <p:blipFill>
-          <a:blip r:embed="rId3" cstate="email">
+          <a:blip r:embed="rId4" cstate="email">
             <a:extLst>
               <a:ext uri="{28A0092B-C50C-407E-A947-70E740481C1C}">
                 <a14:useLocalDpi xmlns:a14="http://schemas.microsoft.com/office/drawing/2010/main" val="0"/>
@@ -11372,7 +13093,7 @@
           <p:nvPr/>
         </p:nvPicPr>
         <p:blipFill>
-          <a:blip r:embed="rId4">
+          <a:blip r:embed="rId5">
             <a:extLst>
               <a:ext uri="{28A0092B-C50C-407E-A947-70E740481C1C}">
                 <a14:useLocalDpi xmlns:a14="http://schemas.microsoft.com/office/drawing/2010/main" val="0"/>
@@ -11516,7 +13237,7 @@
           <p:nvPr>
             <p:extLst>
               <p:ext uri="{D42A27DB-BD31-4B8C-83A1-F6EECF244321}">
-                <p14:modId xmlns:p14="http://schemas.microsoft.com/office/powerpoint/2010/main" val="1055563299"/>
+                <p14:modId xmlns:p14="http://schemas.microsoft.com/office/powerpoint/2010/main" val="473242593"/>
               </p:ext>
             </p:extLst>
           </p:nvPr>
@@ -11527,7 +13248,7 @@
         </p:xfrm>
         <a:graphic>
           <a:graphicData uri="http://schemas.openxmlformats.org/drawingml/2006/chart">
-            <c:chart xmlns:c="http://schemas.openxmlformats.org/drawingml/2006/chart" xmlns:r="http://schemas.openxmlformats.org/officeDocument/2006/relationships" r:id="rId2"/>
+            <c:chart xmlns:c="http://schemas.openxmlformats.org/drawingml/2006/chart" xmlns:r="http://schemas.openxmlformats.org/officeDocument/2006/relationships" r:id="rId3"/>
           </a:graphicData>
         </a:graphic>
       </p:graphicFrame>
@@ -11644,7 +13365,7 @@
           <p:nvPr/>
         </p:nvPicPr>
         <p:blipFill>
-          <a:blip r:embed="rId2">
+          <a:blip r:embed="rId3">
             <a:extLst>
               <a:ext uri="{28A0092B-C50C-407E-A947-70E740481C1C}">
                 <a14:useLocalDpi xmlns:a14="http://schemas.microsoft.com/office/drawing/2010/main" val="0"/>
@@ -11674,7 +13395,7 @@
           <p:nvPr/>
         </p:nvPicPr>
         <p:blipFill>
-          <a:blip r:embed="rId3" cstate="email">
+          <a:blip r:embed="rId4" cstate="email">
             <a:extLst>
               <a:ext uri="{28A0092B-C50C-407E-A947-70E740481C1C}">
                 <a14:useLocalDpi xmlns:a14="http://schemas.microsoft.com/office/drawing/2010/main" val="0"/>
@@ -11704,7 +13425,7 @@
           <p:nvPr/>
         </p:nvPicPr>
         <p:blipFill>
-          <a:blip r:embed="rId4" cstate="email">
+          <a:blip r:embed="rId5" cstate="email">
             <a:extLst>
               <a:ext uri="{28A0092B-C50C-407E-A947-70E740481C1C}">
                 <a14:useLocalDpi xmlns:a14="http://schemas.microsoft.com/office/drawing/2010/main" val="0"/>
@@ -11734,7 +13455,7 @@
           <p:nvPr/>
         </p:nvPicPr>
         <p:blipFill>
-          <a:blip r:embed="rId5">
+          <a:blip r:embed="rId6">
             <a:extLst>
               <a:ext uri="{28A0092B-C50C-407E-A947-70E740481C1C}">
                 <a14:useLocalDpi xmlns:a14="http://schemas.microsoft.com/office/drawing/2010/main" val="0"/>
@@ -11764,7 +13485,7 @@
           <p:nvPr/>
         </p:nvPicPr>
         <p:blipFill>
-          <a:blip r:embed="rId6" cstate="email">
+          <a:blip r:embed="rId7" cstate="email">
             <a:extLst>
               <a:ext uri="{28A0092B-C50C-407E-A947-70E740481C1C}">
                 <a14:useLocalDpi xmlns:a14="http://schemas.microsoft.com/office/drawing/2010/main" val="0"/>

--- a/longpkd.pptx
+++ b/longpkd.pptx
@@ -5218,10 +5218,10 @@
                 <c:formatCode>General</c:formatCode>
                 <c:ptCount val="4"/>
                 <c:pt idx="0">
-                  <c:v>1</c:v>
+                  <c:v>2</c:v>
                 </c:pt>
                 <c:pt idx="1">
-                  <c:v>1</c:v>
+                  <c:v>2</c:v>
                 </c:pt>
                 <c:pt idx="2">
                   <c:v>1</c:v>
@@ -5289,16 +5289,16 @@
                 <c:formatCode>General</c:formatCode>
                 <c:ptCount val="4"/>
                 <c:pt idx="0">
-                  <c:v>2.5</c:v>
+                  <c:v>3</c:v>
                 </c:pt>
                 <c:pt idx="1">
-                  <c:v>2</c:v>
+                  <c:v>3</c:v>
                 </c:pt>
                 <c:pt idx="2">
                   <c:v>2</c:v>
                 </c:pt>
                 <c:pt idx="3">
-                  <c:v>2.5</c:v>
+                  <c:v>3</c:v>
                 </c:pt>
               </c:numCache>
             </c:numRef>
@@ -6133,7 +6133,7 @@
           <a:p>
             <a:fld id="{476EB1C3-FA83-4F5C-BD11-4B61B9BFEDFE}" type="datetimeFigureOut">
               <a:rPr lang="en-US" smtClean="0"/>
-              <a:t>7/15/2020</a:t>
+              <a:t>7/20/2020</a:t>
             </a:fld>
             <a:endParaRPr lang="en-US"/>
           </a:p>
@@ -6315,7 +6315,7 @@
             <a:fld id="{EFC10EE1-B198-C942-8235-326C972CBB30}" type="datetimeFigureOut">
               <a:rPr lang="en-US" smtClean="0"/>
               <a:pPr/>
-              <a:t>7/15/2020</a:t>
+              <a:t>7/20/2020</a:t>
             </a:fld>
             <a:endParaRPr lang="en-US"/>
           </a:p>
@@ -6632,36 +6632,12 @@
           <a:lstStyle/>
           <a:p>
             <a:r>
-              <a:rPr lang="en-US" dirty="0" smtClean="0"/>
+              <a:rPr lang="en-US" smtClean="0"/>
               <a:t>So</a:t>
             </a:r>
             <a:r>
-              <a:rPr lang="en-US" baseline="0" dirty="0" smtClean="0"/>
-              <a:t> </a:t>
-            </a:r>
-            <a:r>
-              <a:rPr lang="en-US" baseline="0" dirty="0" err="1" smtClean="0"/>
-              <a:t>im</a:t>
-            </a:r>
-            <a:r>
-              <a:rPr lang="en-US" baseline="0" dirty="0" smtClean="0"/>
-              <a:t> </a:t>
-            </a:r>
-            <a:r>
-              <a:rPr lang="en-US" baseline="0" dirty="0" err="1" smtClean="0"/>
-              <a:t>gonna</a:t>
-            </a:r>
-            <a:r>
-              <a:rPr lang="en-US" baseline="0" dirty="0" smtClean="0"/>
-              <a:t> walk you through 3 section, first one is about me, who am </a:t>
-            </a:r>
-            <a:r>
-              <a:rPr lang="en-US" baseline="0" dirty="0" err="1" smtClean="0"/>
-              <a:t>i</a:t>
-            </a:r>
-            <a:r>
-              <a:rPr lang="en-US" baseline="0" dirty="0" smtClean="0"/>
-              <a:t>, what do I have. Second is my working-process through the fresher course and last one is my goal in the future. Sound good ?</a:t>
+              <a:rPr lang="en-US" baseline="0" smtClean="0"/>
+              <a:t> im gonna walk you through 3 section, first one is about me, who am i, what do I have. Second is my working-process through the fresher course and last one is my goal in the future. Sound good ?</a:t>
             </a:r>
             <a:endParaRPr lang="en-US" dirty="0"/>
           </a:p>
@@ -6749,52 +6725,36 @@
           <a:lstStyle/>
           <a:p>
             <a:r>
-              <a:rPr lang="en-US" dirty="0" smtClean="0"/>
+              <a:rPr lang="en-US" smtClean="0"/>
               <a:t>In the</a:t>
             </a:r>
             <a:r>
-              <a:rPr lang="en-US" baseline="0" dirty="0" smtClean="0"/>
+              <a:rPr lang="en-US" baseline="0" smtClean="0"/>
               <a:t> future, right now, even I saying that I have a clearly more vision but I don’t really know my long term goal yet. But I think that I has a lots of short-term goal to achieve. And those short-goal would lead me to my final long term goal. At this moment, the thing I want to achieve most is finish the fresher course well and become a truly employee for the company. </a:t>
             </a:r>
           </a:p>
           <a:p>
             <a:r>
-              <a:rPr lang="en-US" baseline="0" dirty="0" smtClean="0"/>
+              <a:rPr lang="en-US" baseline="0" smtClean="0"/>
               <a:t>I did know a little bit of Japanese back then so the next one is I want to have a N5 certificate in this year as soon as possible.</a:t>
             </a:r>
           </a:p>
           <a:p>
             <a:r>
-              <a:rPr lang="en-US" baseline="0" dirty="0" smtClean="0"/>
-              <a:t>And then maybe an </a:t>
-            </a:r>
-            <a:r>
-              <a:rPr lang="en-US" baseline="0" dirty="0" err="1" smtClean="0"/>
-              <a:t>toeic</a:t>
-            </a:r>
-            <a:r>
-              <a:rPr lang="en-US" baseline="0" dirty="0" smtClean="0"/>
-              <a:t> certificate next year if possible.</a:t>
-            </a:r>
-          </a:p>
-          <a:p>
-            <a:r>
-              <a:rPr lang="en-US" baseline="0" dirty="0" smtClean="0"/>
-              <a:t>I really want to have and on site of japan someday but my problem was I didn’t have a university diploma, so maybe, just maybe I would try to figure out a way so I could have it.</a:t>
-            </a:r>
-          </a:p>
-          <a:p>
-            <a:r>
-              <a:rPr lang="en-US" baseline="0" dirty="0" smtClean="0"/>
-              <a:t>And </a:t>
-            </a:r>
-            <a:r>
-              <a:rPr lang="en-US" baseline="0" dirty="0" err="1" smtClean="0"/>
-              <a:t>ofcourse</a:t>
-            </a:r>
-            <a:r>
-              <a:rPr lang="en-US" baseline="0" dirty="0" smtClean="0"/>
-              <a:t>, I would working as hard as I could so I would getting my rank up once a year, this is one of my goal too.</a:t>
+              <a:rPr lang="en-US" baseline="0" smtClean="0"/>
+              <a:t>And then maybe an ielt certificate next year if possible.</a:t>
+            </a:r>
+          </a:p>
+          <a:p>
+            <a:r>
+              <a:rPr lang="en-US" baseline="0" smtClean="0"/>
+              <a:t>I really want to have an on site of japan someday but my problem was I didn’t have a university diploma, so maybe, just maybe I would try to figure out a way so I could have it.</a:t>
+            </a:r>
+          </a:p>
+          <a:p>
+            <a:r>
+              <a:rPr lang="en-US" baseline="0" smtClean="0"/>
+              <a:t>And ofcourse, I would working as hard as I could so I would getting my rank up once a year, this is one of my goal too.</a:t>
             </a:r>
             <a:endParaRPr lang="en-US" dirty="0"/>
           </a:p>
@@ -6882,90 +6842,34 @@
           <a:lstStyle/>
           <a:p>
             <a:r>
-              <a:rPr lang="en-US" dirty="0" smtClean="0"/>
+              <a:rPr lang="en-US" smtClean="0"/>
               <a:t>So,</a:t>
             </a:r>
             <a:r>
-              <a:rPr lang="en-US" baseline="0" dirty="0" smtClean="0"/>
-              <a:t> let me introduce myself again, my name is pham kim duy long. I was born in 08 of </a:t>
-            </a:r>
-            <a:r>
-              <a:rPr lang="en-US" baseline="0" dirty="0" err="1" smtClean="0"/>
-              <a:t>april</a:t>
-            </a:r>
-            <a:r>
-              <a:rPr lang="en-US" baseline="0" dirty="0" smtClean="0"/>
-              <a:t> in 2000, which mean </a:t>
-            </a:r>
-            <a:r>
-              <a:rPr lang="en-US" baseline="0" dirty="0" err="1" smtClean="0"/>
-              <a:t>im</a:t>
-            </a:r>
-            <a:r>
-              <a:rPr lang="en-US" baseline="0" dirty="0" smtClean="0"/>
-              <a:t> now 20 </a:t>
-            </a:r>
-            <a:r>
-              <a:rPr lang="en-US" baseline="0" dirty="0" err="1" smtClean="0"/>
-              <a:t>yrs</a:t>
-            </a:r>
-            <a:r>
-              <a:rPr lang="en-US" baseline="0" dirty="0" smtClean="0"/>
-              <a:t> old and yes I was born in </a:t>
-            </a:r>
-            <a:r>
-              <a:rPr lang="en-US" baseline="0" dirty="0" err="1" smtClean="0"/>
-              <a:t>hcm</a:t>
-            </a:r>
-            <a:r>
-              <a:rPr lang="en-US" baseline="0" dirty="0" smtClean="0"/>
-              <a:t> city.</a:t>
-            </a:r>
-          </a:p>
-          <a:p>
-            <a:r>
-              <a:rPr lang="en-US" baseline="0" dirty="0" smtClean="0"/>
-              <a:t>And my hobby was Reading book and listen to music, I’m pretty into those book which about social skill,  psychologic. Beside that I love to being wanderlust around when I have free time, just driving without point and enjoy the feeling.</a:t>
-            </a:r>
-          </a:p>
-          <a:p>
-            <a:r>
-              <a:rPr lang="en-US" dirty="0" smtClean="0"/>
+              <a:rPr lang="en-US" baseline="0" smtClean="0"/>
+              <a:t> let me introduce myself again, my name is pham kim duy long. I was born in 08 of april in 2000, which mean im now 20 yrs old and yes, I was born in hcm city.</a:t>
+            </a:r>
+          </a:p>
+          <a:p>
+            <a:r>
+              <a:rPr lang="en-US" baseline="0" smtClean="0"/>
+              <a:t>My hobby was Reading book and listen to music, I’m pretty into those book which about social skill,  psychologic. Beside that I love to being wanderlust around when I have free time, just driving without point and enjoy the feeling.</a:t>
+            </a:r>
+          </a:p>
+          <a:p>
+            <a:r>
+              <a:rPr lang="en-US" smtClean="0"/>
               <a:t>I</a:t>
             </a:r>
             <a:r>
-              <a:rPr lang="en-US" baseline="0" dirty="0" smtClean="0"/>
+              <a:rPr lang="en-US" baseline="0" smtClean="0"/>
               <a:t> believe every one of us must have that one quote which when anyone mention about a quote you just get it right away without wondering.</a:t>
             </a:r>
           </a:p>
           <a:p>
             <a:r>
-              <a:rPr lang="en-US" baseline="0" dirty="0" smtClean="0"/>
-              <a:t>Mine was “”, this has </a:t>
-            </a:r>
-            <a:r>
-              <a:rPr lang="en-US" baseline="0" dirty="0" err="1" smtClean="0"/>
-              <a:t>alots</a:t>
-            </a:r>
-            <a:r>
-              <a:rPr lang="en-US" baseline="0" dirty="0" smtClean="0"/>
-              <a:t> of meaning base on the view of each person but on my opinion. This one is the one that keep me from being distracting or disappointing from hoping too much as well as reminding me there is nothing you would get if you just stay at one place and doing nothing. No one </a:t>
-            </a:r>
-            <a:r>
-              <a:rPr lang="en-US" baseline="0" dirty="0" err="1" smtClean="0"/>
-              <a:t>gonna</a:t>
-            </a:r>
-            <a:r>
-              <a:rPr lang="en-US" baseline="0" dirty="0" smtClean="0"/>
-              <a:t> give you what you want, you </a:t>
-            </a:r>
-            <a:r>
-              <a:rPr lang="en-US" baseline="0" dirty="0" err="1" smtClean="0"/>
-              <a:t>gotta</a:t>
-            </a:r>
-            <a:r>
-              <a:rPr lang="en-US" baseline="0" dirty="0" smtClean="0"/>
-              <a:t> get it by yourself.</a:t>
+              <a:rPr lang="en-US" baseline="0" smtClean="0"/>
+              <a:t>Mine was “”, this has alots of meaning base on the view of each person but on my opinion. This one is the one that keep me from being distracting or disappointing from hoping too much as well as reminding me there is nothing you would get if you just stay at one place and doing nothing. No one gonna give you what you want, you gotta get it by yourself.</a:t>
             </a:r>
             <a:endParaRPr lang="en-US" dirty="0"/>
           </a:p>
@@ -7130,7 +7034,7 @@
           <a:p>
             <a:r>
               <a:rPr lang="en-US" baseline="0" dirty="0" smtClean="0"/>
-              <a:t>I could be a quick learner, and thriving on pressure. The stronger the pressure, the better I’ll be. At last “what doesn’t kill you, make you stronger” right ?</a:t>
+              <a:t>I could be a quick learner, and thriving under pressure. The stronger the pressure, the better I’ll be. At last “what doesn’t kill you, make you stronger” right ?</a:t>
             </a:r>
           </a:p>
           <a:p>
@@ -7277,75 +7181,20 @@
           <a:lstStyle/>
           <a:p>
             <a:r>
-              <a:rPr lang="en-US" dirty="0" smtClean="0"/>
+              <a:rPr lang="en-US" smtClean="0"/>
               <a:t>I</a:t>
             </a:r>
             <a:r>
-              <a:rPr lang="en-US" baseline="0" dirty="0" smtClean="0"/>
-              <a:t> did have some experience working with these technology and language before, in the “center ???? (this is something you </a:t>
-            </a:r>
-            <a:r>
-              <a:rPr lang="en-US" baseline="0" dirty="0" err="1" smtClean="0"/>
-              <a:t>gotta</a:t>
-            </a:r>
-            <a:r>
-              <a:rPr lang="en-US" baseline="0" dirty="0" smtClean="0"/>
-              <a:t> say dude)”.</a:t>
-            </a:r>
-          </a:p>
-          <a:p>
-            <a:r>
-              <a:rPr lang="en-US" baseline="0" dirty="0" smtClean="0"/>
-              <a:t>And it’s not really good before this course, I can’t really make a product properly, the only thing I was good at back there was just html-</a:t>
-            </a:r>
-            <a:r>
-              <a:rPr lang="en-US" baseline="0" dirty="0" err="1" smtClean="0"/>
-              <a:t>css</a:t>
-            </a:r>
-            <a:r>
-              <a:rPr lang="en-US" baseline="0" dirty="0" smtClean="0"/>
-              <a:t> and </a:t>
-            </a:r>
-            <a:r>
-              <a:rPr lang="en-US" baseline="0" dirty="0" err="1" smtClean="0"/>
-              <a:t>littile</a:t>
-            </a:r>
-            <a:r>
-              <a:rPr lang="en-US" baseline="0" dirty="0" smtClean="0"/>
-              <a:t> bit </a:t>
-            </a:r>
-            <a:r>
-              <a:rPr lang="en-US" baseline="0" dirty="0" err="1" smtClean="0"/>
-              <a:t>js-c</a:t>
-            </a:r>
-            <a:r>
-              <a:rPr lang="en-US" baseline="0" dirty="0" smtClean="0"/>
-              <a:t># with </a:t>
-            </a:r>
-            <a:r>
-              <a:rPr lang="en-US" baseline="0" dirty="0" err="1" smtClean="0"/>
-              <a:t>dotnet</a:t>
-            </a:r>
-            <a:r>
-              <a:rPr lang="en-US" baseline="0" dirty="0" smtClean="0"/>
-              <a:t> core. </a:t>
-            </a:r>
-            <a:r>
-              <a:rPr lang="en-US" baseline="0" dirty="0" err="1" smtClean="0"/>
-              <a:t>Im</a:t>
-            </a:r>
-            <a:r>
-              <a:rPr lang="en-US" baseline="0" dirty="0" smtClean="0"/>
-              <a:t> pretty suck at </a:t>
-            </a:r>
-            <a:r>
-              <a:rPr lang="en-US" baseline="0" dirty="0" err="1" smtClean="0"/>
-              <a:t>SQl</a:t>
-            </a:r>
-            <a:r>
-              <a:rPr lang="en-US" baseline="0" dirty="0" smtClean="0"/>
-              <a:t> actually, back there yes, about improvement I would talk about it right away.</a:t>
-            </a:r>
+              <a:rPr lang="en-US" baseline="0" smtClean="0"/>
+              <a:t> did have some experience working with these technology and language before, in the “center ???? (this is something you gotta say dude)”.</a:t>
+            </a:r>
+          </a:p>
+          <a:p>
+            <a:r>
+              <a:rPr lang="en-US" baseline="0" smtClean="0"/>
+              <a:t>And it’s not really good before this course, I can’t really make a product properly, the only thing I was good at back there was just html-css and littile bit js-c# with dotnet core. </a:t>
+            </a:r>
+            <a:endParaRPr lang="en-US" baseline="0" dirty="0" smtClean="0"/>
           </a:p>
         </p:txBody>
       </p:sp>
@@ -7431,74 +7280,18 @@
           <a:lstStyle/>
           <a:p>
             <a:r>
-              <a:rPr lang="en-US" dirty="0" smtClean="0"/>
+              <a:rPr lang="en-US" smtClean="0"/>
               <a:t>When I joining the course there</a:t>
             </a:r>
             <a:r>
-              <a:rPr lang="en-US" baseline="0" dirty="0" smtClean="0"/>
-              <a:t> was </a:t>
-            </a:r>
-            <a:r>
-              <a:rPr lang="en-US" baseline="0" dirty="0" err="1" smtClean="0"/>
-              <a:t>alots</a:t>
-            </a:r>
-            <a:r>
-              <a:rPr lang="en-US" baseline="0" dirty="0" smtClean="0"/>
-              <a:t> of Obstacles for me to working on.</a:t>
-            </a:r>
-          </a:p>
-          <a:p>
-            <a:r>
-              <a:rPr lang="en-US" baseline="0" dirty="0" smtClean="0"/>
-              <a:t>I don’t have much experience is the first one, my knowledge is, well, not much if compare to </a:t>
-            </a:r>
-            <a:r>
-              <a:rPr lang="en-US" baseline="0" dirty="0" err="1" smtClean="0"/>
-              <a:t>others.i</a:t>
-            </a:r>
-            <a:r>
-              <a:rPr lang="en-US" baseline="0" dirty="0" smtClean="0"/>
-              <a:t> don’t have a good view, a good </a:t>
-            </a:r>
-            <a:r>
-              <a:rPr lang="en-US" baseline="0" dirty="0" err="1" smtClean="0"/>
-              <a:t>orirentation</a:t>
-            </a:r>
-            <a:r>
-              <a:rPr lang="en-US" baseline="0" dirty="0" smtClean="0"/>
-              <a:t> about my future. And through the course, there was </a:t>
-            </a:r>
-            <a:r>
-              <a:rPr lang="en-US" baseline="0" dirty="0" err="1" smtClean="0"/>
-              <a:t>alots</a:t>
-            </a:r>
-            <a:r>
-              <a:rPr lang="en-US" baseline="0" dirty="0" smtClean="0"/>
-              <a:t> of unfamiliar technologies, </a:t>
-            </a:r>
-            <a:r>
-              <a:rPr lang="en-US" baseline="0" dirty="0" err="1" smtClean="0"/>
-              <a:t>especialy</a:t>
-            </a:r>
-            <a:r>
-              <a:rPr lang="en-US" baseline="0" dirty="0" smtClean="0"/>
-              <a:t> recently when I come interact with java, </a:t>
-            </a:r>
-            <a:r>
-              <a:rPr lang="en-US" baseline="0" dirty="0" err="1" smtClean="0"/>
-              <a:t>jsp</a:t>
-            </a:r>
-            <a:r>
-              <a:rPr lang="en-US" baseline="0" dirty="0" smtClean="0"/>
-              <a:t>, </a:t>
-            </a:r>
-            <a:r>
-              <a:rPr lang="en-US" baseline="0" dirty="0" err="1" smtClean="0"/>
-              <a:t>jsf</a:t>
-            </a:r>
-            <a:r>
-              <a:rPr lang="en-US" baseline="0" dirty="0" smtClean="0"/>
-              <a:t> and the power egg framework. It’s like a bomb to me. I cant really handle it but I must keep forcing myself to keep going on even it’s slow, because I know, this is a chance for me, a precious chance and you cant have it everyday.</a:t>
+              <a:rPr lang="en-US" baseline="0" smtClean="0"/>
+              <a:t> was alots of Obstacles for me to working on.</a:t>
+            </a:r>
+          </a:p>
+          <a:p>
+            <a:r>
+              <a:rPr lang="en-US" baseline="0" smtClean="0"/>
+              <a:t>I don’t have much experience is the first one, my knowledge is, well, not much if compare to others.i don’t have a good view, a good orirentation about my future. And through the course, there was alots of unfamiliar technologies, especialy recently when I come interact with java, jsp, jsf and the power egg framework. It’s like a bomb to me. I cant really handle it but I must keep forcing myself to keep going on even it’s slow, because I know, this is a chance for me, a precious chance and you cant have it everyday.</a:t>
             </a:r>
             <a:endParaRPr lang="en-US" dirty="0"/>
           </a:p>
@@ -7586,40 +7379,12 @@
           <a:lstStyle/>
           <a:p>
             <a:r>
-              <a:rPr lang="en-US" dirty="0" smtClean="0"/>
-              <a:t>-The first thing I </a:t>
-            </a:r>
-            <a:r>
-              <a:rPr lang="en-US" dirty="0" err="1" smtClean="0"/>
-              <a:t>gotta</a:t>
-            </a:r>
-            <a:r>
-              <a:rPr lang="en-US" baseline="0" dirty="0" smtClean="0"/>
-              <a:t> said about what I love in the company was the work place, it’s just so professional, but it’s not cold as I though as first. I mean, I was though that a company of Japanese must be so cold, so many rules etc. but turns out its not like that. Everyone is just so friendly and they </a:t>
-            </a:r>
-            <a:r>
-              <a:rPr lang="en-US" baseline="0" dirty="0" err="1" smtClean="0"/>
-              <a:t>helpme</a:t>
-            </a:r>
-            <a:r>
-              <a:rPr lang="en-US" baseline="0" dirty="0" smtClean="0"/>
-              <a:t> </a:t>
-            </a:r>
-            <a:r>
-              <a:rPr lang="en-US" baseline="0" dirty="0" err="1" smtClean="0"/>
-              <a:t>alots</a:t>
-            </a:r>
-            <a:r>
-              <a:rPr lang="en-US" baseline="0" dirty="0" smtClean="0"/>
-              <a:t>, they never complain about me asking too much. And I know that’s I was too young, must be  the youngest in the office or maybe the company, so I pretty scared at first. Every one is just helping me </a:t>
-            </a:r>
-            <a:r>
-              <a:rPr lang="en-US" baseline="0" dirty="0" err="1" smtClean="0"/>
-              <a:t>alots</a:t>
-            </a:r>
-            <a:r>
-              <a:rPr lang="en-US" baseline="0" dirty="0" smtClean="0"/>
-              <a:t>, I feel grateful for that.</a:t>
+              <a:rPr lang="en-US" smtClean="0"/>
+              <a:t>-The first thing I gotta</a:t>
+            </a:r>
+            <a:r>
+              <a:rPr lang="en-US" baseline="0" smtClean="0"/>
+              <a:t> said about what I love in the company was the work place, it’s just so professional, but it’s not cold as I though as first. I mean, I was though that a company of Japanese must be so cold, so many rules etc. but turns out its not like that. Everyone is just so friendly and they helpme alots, they never complain about me asking too much. And I know that’s I was too young, must be  the youngest in the office or maybe the company, so I pretty scared at first. Every one is just helping me alots, I feel grateful for that.</a:t>
             </a:r>
             <a:endParaRPr lang="en-US" dirty="0"/>
           </a:p>
@@ -7792,32 +7557,12 @@
           <a:lstStyle/>
           <a:p>
             <a:r>
-              <a:rPr lang="en-US" dirty="0" smtClean="0"/>
+              <a:rPr lang="en-US" smtClean="0"/>
               <a:t> I Learned</a:t>
             </a:r>
             <a:r>
-              <a:rPr lang="en-US" baseline="0" dirty="0" smtClean="0"/>
-              <a:t> some new technologies - - - - - -, even it’s not much but for me this is a big </a:t>
-            </a:r>
-            <a:r>
-              <a:rPr lang="en-US" baseline="0" dirty="0" smtClean="0"/>
-              <a:t>step forward, I learned </a:t>
-            </a:r>
-            <a:r>
-              <a:rPr lang="en-US" baseline="0" dirty="0" err="1" smtClean="0"/>
-              <a:t>alots</a:t>
-            </a:r>
-            <a:r>
-              <a:rPr lang="en-US" baseline="0" dirty="0" smtClean="0"/>
-              <a:t> of skill, not just new technologies. Like we all know, programing is just not about coding, its about finding solution and solving problem which is required </a:t>
-            </a:r>
-            <a:r>
-              <a:rPr lang="en-US" baseline="0" dirty="0" err="1" smtClean="0"/>
-              <a:t>alots</a:t>
-            </a:r>
-            <a:r>
-              <a:rPr lang="en-US" baseline="0" dirty="0" smtClean="0"/>
-              <a:t> of research and research need skill too, and a lot more like being proactive to looking for help</a:t>
+              <a:rPr lang="en-US" baseline="0" smtClean="0"/>
+              <a:t> some new technologies - - - - - -, even it’s not much but for me this is a big step forward, I learned alots of skill, not just new technologies. Like we all know, programing is just not about coding, its about finding solution and solving problem which is required alots of research and research need skill too, and a lot more like being proactive to looking for help</a:t>
             </a:r>
             <a:endParaRPr lang="en-US" dirty="0"/>
           </a:p>
@@ -7905,107 +7650,44 @@
           <a:lstStyle/>
           <a:p>
             <a:r>
-              <a:rPr lang="en-US" dirty="0" smtClean="0"/>
+              <a:rPr lang="en-US" smtClean="0"/>
               <a:t>And yes, I’ve</a:t>
             </a:r>
             <a:r>
-              <a:rPr lang="en-US" baseline="0" dirty="0" smtClean="0"/>
-              <a:t> updated myself, </a:t>
-            </a:r>
-            <a:r>
-              <a:rPr lang="en-US" baseline="0" dirty="0" err="1" smtClean="0"/>
-              <a:t>alots</a:t>
-            </a:r>
-            <a:r>
-              <a:rPr lang="en-US" baseline="0" dirty="0" smtClean="0"/>
-              <a:t> of work has been pulling in. there is no way that I cant realize anything.</a:t>
-            </a:r>
-          </a:p>
-          <a:p>
-            <a:r>
-              <a:rPr lang="en-US" baseline="0" dirty="0" smtClean="0"/>
+              <a:rPr lang="en-US" baseline="0" smtClean="0"/>
+              <a:t> updated myself, alots of work has been putting in. there is no way that I can’t realize anything.</a:t>
+            </a:r>
+          </a:p>
+          <a:p>
+            <a:r>
+              <a:rPr lang="en-US" baseline="0" smtClean="0"/>
               <a:t>I’ve learned the way to control myself, managing myself, like my emotion, my time, my effort, my energy and balancing them in my life so they wont have bad affect to my life or my work.</a:t>
             </a:r>
           </a:p>
           <a:p>
             <a:r>
-              <a:rPr lang="en-US" baseline="0" dirty="0" smtClean="0"/>
-              <a:t>I also have a little bit more clearly vision about my path in the future, the first time in my life I really looking forward in the future, and I know exactly what I </a:t>
-            </a:r>
-            <a:r>
-              <a:rPr lang="en-US" baseline="0" dirty="0" err="1" smtClean="0"/>
-              <a:t>gotta</a:t>
-            </a:r>
-            <a:r>
-              <a:rPr lang="en-US" baseline="0" dirty="0" smtClean="0"/>
-              <a:t> do, not by being guessing about what </a:t>
-            </a:r>
-            <a:r>
-              <a:rPr lang="en-US" baseline="0" dirty="0" err="1" smtClean="0"/>
-              <a:t>im</a:t>
-            </a:r>
-            <a:r>
-              <a:rPr lang="en-US" baseline="0" dirty="0" smtClean="0"/>
-              <a:t> </a:t>
-            </a:r>
-            <a:r>
-              <a:rPr lang="en-US" baseline="0" dirty="0" err="1" smtClean="0"/>
-              <a:t>gonna</a:t>
-            </a:r>
-            <a:r>
-              <a:rPr lang="en-US" baseline="0" dirty="0" smtClean="0"/>
-              <a:t> do tomorrow and waking up feeling so empty.</a:t>
-            </a:r>
-          </a:p>
-          <a:p>
-            <a:r>
-              <a:rPr lang="en-US" baseline="0" dirty="0" smtClean="0"/>
-              <a:t>Beside I have </a:t>
-            </a:r>
-            <a:r>
-              <a:rPr lang="en-US" baseline="0" dirty="0" err="1" smtClean="0"/>
-              <a:t>alots</a:t>
-            </a:r>
-            <a:r>
-              <a:rPr lang="en-US" baseline="0" dirty="0" smtClean="0"/>
-              <a:t> more about presenting, speak in public skill which I was always getting nervous. Even I was a sociable person, </a:t>
-            </a:r>
-            <a:r>
-              <a:rPr lang="en-US" baseline="0" dirty="0" err="1" smtClean="0"/>
-              <a:t>im</a:t>
-            </a:r>
-            <a:r>
-              <a:rPr lang="en-US" baseline="0" dirty="0" smtClean="0"/>
-              <a:t> still scared of being speak in public. </a:t>
-            </a:r>
-          </a:p>
-          <a:p>
-            <a:r>
-              <a:rPr lang="en-US" baseline="0" dirty="0" smtClean="0"/>
-              <a:t>I have a </a:t>
-            </a:r>
-            <a:r>
-              <a:rPr lang="en-US" baseline="0" dirty="0" err="1" smtClean="0"/>
-              <a:t>littile</a:t>
-            </a:r>
-            <a:r>
-              <a:rPr lang="en-US" baseline="0" dirty="0" smtClean="0"/>
-              <a:t> more knowledge about how a company work, the way, the rules of it, which answer my always-confusing-question.</a:t>
-            </a:r>
-          </a:p>
-          <a:p>
-            <a:r>
-              <a:rPr lang="en-US" baseline="0" dirty="0" smtClean="0"/>
-              <a:t>And I think </a:t>
-            </a:r>
-            <a:r>
-              <a:rPr lang="en-US" baseline="0" dirty="0" err="1" smtClean="0"/>
-              <a:t>i</a:t>
-            </a:r>
-            <a:r>
-              <a:rPr lang="en-US" baseline="0" dirty="0" smtClean="0"/>
-              <a:t> had more patience, more open mind to receive others advice for me and I really facing with it, not avoiding.</a:t>
-            </a:r>
+              <a:rPr lang="en-US" baseline="0" smtClean="0"/>
+              <a:t>I also have a little bit more clearly vision about my path in the future, the first time in my life I really looking forward in the future, and I know exactly what I gotta do, not by being guessing about what im gonna do tomorrow and waking up feeling so empty.</a:t>
+            </a:r>
+          </a:p>
+          <a:p>
+            <a:r>
+              <a:rPr lang="en-US" baseline="0" smtClean="0"/>
+              <a:t>Beside I have alots more about presenting, speak in public skill which I was always getting nervous. Even I was a sociable person, im still scared of being speak in public. </a:t>
+            </a:r>
+          </a:p>
+          <a:p>
+            <a:r>
+              <a:rPr lang="en-US" baseline="0" smtClean="0"/>
+              <a:t>I have a littile more knowledge about how a company work, the way, the rules of it, which answer my always-confusing-question.</a:t>
+            </a:r>
+          </a:p>
+          <a:p>
+            <a:r>
+              <a:rPr lang="en-US" baseline="0" smtClean="0"/>
+              <a:t>And I think i had more patience, more open mind to receive others advice for me and I really facing with it, not avoiding.</a:t>
+            </a:r>
+            <a:endParaRPr lang="en-US" baseline="0" dirty="0" smtClean="0"/>
           </a:p>
         </p:txBody>
       </p:sp>
@@ -11053,13 +10735,6 @@
               </a:rPr>
               <a:t>Self-Management</a:t>
             </a:r>
-            <a:endParaRPr lang="en-US" sz="4500" dirty="0">
-              <a:solidFill>
-                <a:schemeClr val="tx2"/>
-              </a:solidFill>
-              <a:latin typeface="Arial" panose="020B0604020202020204" pitchFamily="34" charset="0"/>
-              <a:cs typeface="Arial" panose="020B0604020202020204" pitchFamily="34" charset="0"/>
-            </a:endParaRPr>
           </a:p>
           <a:p>
             <a:pPr marL="571500" indent="-571500">
@@ -11071,32 +10746,6 @@
             </a:pPr>
             <a:r>
               <a:rPr lang="en-US" sz="4500" dirty="0">
-                <a:solidFill>
-                  <a:schemeClr val="tx2"/>
-                </a:solidFill>
-                <a:latin typeface="Arial" panose="020B0604020202020204" pitchFamily="34" charset="0"/>
-                <a:cs typeface="Arial" panose="020B0604020202020204" pitchFamily="34" charset="0"/>
-              </a:rPr>
-              <a:t>Orientation</a:t>
-            </a:r>
-            <a:endParaRPr lang="en-US" sz="4500" dirty="0" smtClean="0">
-              <a:solidFill>
-                <a:schemeClr val="tx2"/>
-              </a:solidFill>
-              <a:latin typeface="Arial" panose="020B0604020202020204" pitchFamily="34" charset="0"/>
-              <a:cs typeface="Arial" panose="020B0604020202020204" pitchFamily="34" charset="0"/>
-            </a:endParaRPr>
-          </a:p>
-          <a:p>
-            <a:pPr marL="571500" indent="-571500">
-              <a:lnSpc>
-                <a:spcPct val="200000"/>
-              </a:lnSpc>
-              <a:buFont typeface="Arial" panose="020B0604020202020204" pitchFamily="34" charset="0"/>
-              <a:buChar char="•"/>
-            </a:pPr>
-            <a:r>
-              <a:rPr lang="en-US" sz="4500" dirty="0" smtClean="0">
                 <a:solidFill>
                   <a:schemeClr val="tx2"/>
                 </a:solidFill>
@@ -11125,6 +10774,16 @@
               <a:buChar char="•"/>
             </a:pPr>
             <a:r>
+              <a:rPr lang="en-US" sz="4500" dirty="0">
+                <a:solidFill>
+                  <a:schemeClr val="tx2"/>
+                </a:solidFill>
+                <a:latin typeface="Arial" panose="020B0604020202020204" pitchFamily="34" charset="0"/>
+                <a:cs typeface="Arial" panose="020B0604020202020204" pitchFamily="34" charset="0"/>
+              </a:rPr>
+              <a:t>Real working-process </a:t>
+            </a:r>
+            <a:r>
               <a:rPr lang="en-US" sz="4500" dirty="0" smtClean="0">
                 <a:solidFill>
                   <a:schemeClr val="tx2"/>
@@ -11132,7 +10791,7 @@
                 <a:latin typeface="Arial" panose="020B0604020202020204" pitchFamily="34" charset="0"/>
                 <a:cs typeface="Arial" panose="020B0604020202020204" pitchFamily="34" charset="0"/>
               </a:rPr>
-              <a:t>Real working-process experience</a:t>
+              <a:t>experience</a:t>
             </a:r>
             <a:endParaRPr lang="en-US" sz="4500" dirty="0">
               <a:solidFill>
@@ -11141,6 +10800,25 @@
               <a:latin typeface="Arial" panose="020B0604020202020204" pitchFamily="34" charset="0"/>
               <a:cs typeface="Arial" panose="020B0604020202020204" pitchFamily="34" charset="0"/>
             </a:endParaRPr>
+          </a:p>
+          <a:p>
+            <a:pPr marL="571500" indent="-571500">
+              <a:lnSpc>
+                <a:spcPct val="200000"/>
+              </a:lnSpc>
+              <a:buFont typeface="Arial" panose="020B0604020202020204" pitchFamily="34" charset="0"/>
+              <a:buChar char="•"/>
+            </a:pPr>
+            <a:r>
+              <a:rPr lang="en-US" sz="4500" dirty="0" smtClean="0">
+                <a:solidFill>
+                  <a:schemeClr val="tx2"/>
+                </a:solidFill>
+                <a:latin typeface="Arial" panose="020B0604020202020204" pitchFamily="34" charset="0"/>
+                <a:cs typeface="Arial" panose="020B0604020202020204" pitchFamily="34" charset="0"/>
+              </a:rPr>
+              <a:t>Orientation about future</a:t>
+            </a:r>
           </a:p>
           <a:p>
             <a:pPr marL="571500" indent="-571500">
@@ -11977,7 +11655,14 @@
                 <a:latin typeface="Arial" panose="020B0604020202020204" pitchFamily="34" charset="0"/>
                 <a:cs typeface="Arial" panose="020B0604020202020204" pitchFamily="34" charset="0"/>
               </a:rPr>
-              <a:t>Strength - Weakness</a:t>
+              <a:t>Strength - </a:t>
+            </a:r>
+            <a:r>
+              <a:rPr lang="en-US" dirty="0" smtClean="0">
+                <a:latin typeface="Arial" panose="020B0604020202020204" pitchFamily="34" charset="0"/>
+                <a:cs typeface="Arial" panose="020B0604020202020204" pitchFamily="34" charset="0"/>
+              </a:rPr>
+              <a:t>Weaknesses</a:t>
             </a:r>
             <a:endParaRPr lang="en-US" dirty="0">
               <a:latin typeface="Arial" panose="020B0604020202020204" pitchFamily="34" charset="0"/>
@@ -12016,7 +11701,7 @@
                 <a:latin typeface="Arial" panose="020B0604020202020204" pitchFamily="34" charset="0"/>
                 <a:cs typeface="Arial" panose="020B0604020202020204" pitchFamily="34" charset="0"/>
               </a:rPr>
-              <a:t>Strength</a:t>
+              <a:t>Strengths</a:t>
             </a:r>
             <a:endParaRPr lang="en-US" sz="4500" b="1" dirty="0">
               <a:solidFill>
@@ -12036,8 +11721,8 @@
         </p:nvSpPr>
         <p:spPr>
           <a:xfrm>
-            <a:off x="13782072" y="2322576"/>
-            <a:ext cx="3072384" cy="1477328"/>
+            <a:off x="13782071" y="2322576"/>
+            <a:ext cx="3739809" cy="1477328"/>
           </a:xfrm>
           <a:prstGeom prst="rect">
             <a:avLst/>
@@ -12058,8 +11743,15 @@
                 <a:latin typeface="Arial" panose="020B0604020202020204" pitchFamily="34" charset="0"/>
                 <a:cs typeface="Arial" panose="020B0604020202020204" pitchFamily="34" charset="0"/>
               </a:rPr>
-              <a:t>Weakness</a:t>
-            </a:r>
+              <a:t>Weaknesses</a:t>
+            </a:r>
+            <a:endParaRPr lang="en-US" sz="4500" b="1" dirty="0" smtClean="0">
+              <a:solidFill>
+                <a:schemeClr val="tx2"/>
+              </a:solidFill>
+              <a:latin typeface="Arial" panose="020B0604020202020204" pitchFamily="34" charset="0"/>
+              <a:cs typeface="Arial" panose="020B0604020202020204" pitchFamily="34" charset="0"/>
+            </a:endParaRPr>
           </a:p>
           <a:p>
             <a:endParaRPr lang="en-US" sz="4500" b="1" dirty="0">
@@ -12177,7 +11869,7 @@
                 <a:latin typeface="Arial" panose="020B0604020202020204" pitchFamily="34" charset="0"/>
                 <a:cs typeface="Arial" panose="020B0604020202020204" pitchFamily="34" charset="0"/>
               </a:rPr>
-              <a:t>Quick learner</a:t>
+              <a:t>Ability to Self-Learning</a:t>
             </a:r>
           </a:p>
           <a:p>
@@ -12196,7 +11888,7 @@
                 <a:latin typeface="Arial" panose="020B0604020202020204" pitchFamily="34" charset="0"/>
                 <a:cs typeface="Arial" panose="020B0604020202020204" pitchFamily="34" charset="0"/>
               </a:rPr>
-              <a:t>Thrive on pressure</a:t>
+              <a:t>Thrive under pressure</a:t>
             </a:r>
           </a:p>
           <a:p>
@@ -12264,8 +11956,15 @@
                 <a:latin typeface="Arial" panose="020B0604020202020204" pitchFamily="34" charset="0"/>
                 <a:cs typeface="Arial" panose="020B0604020202020204" pitchFamily="34" charset="0"/>
               </a:rPr>
-              <a:t>Lack of patience</a:t>
-            </a:r>
+              <a:t>Patience</a:t>
+            </a:r>
+            <a:endParaRPr lang="en-US" sz="4500" dirty="0" smtClean="0">
+              <a:solidFill>
+                <a:schemeClr val="tx2"/>
+              </a:solidFill>
+              <a:latin typeface="Arial" panose="020B0604020202020204" pitchFamily="34" charset="0"/>
+              <a:cs typeface="Arial" panose="020B0604020202020204" pitchFamily="34" charset="0"/>
+            </a:endParaRPr>
           </a:p>
           <a:p>
             <a:pPr marL="571500" indent="-571500">
@@ -12283,7 +11982,7 @@
                 <a:latin typeface="Arial" panose="020B0604020202020204" pitchFamily="34" charset="0"/>
                 <a:cs typeface="Arial" panose="020B0604020202020204" pitchFamily="34" charset="0"/>
               </a:rPr>
-              <a:t>Pretty intransigent</a:t>
+              <a:t>Intransigent</a:t>
             </a:r>
           </a:p>
           <a:p>
@@ -12302,8 +12001,15 @@
                 <a:latin typeface="Arial" panose="020B0604020202020204" pitchFamily="34" charset="0"/>
                 <a:cs typeface="Arial" panose="020B0604020202020204" pitchFamily="34" charset="0"/>
               </a:rPr>
-              <a:t>Get distracted sometime</a:t>
-            </a:r>
+              <a:t>Introvert</a:t>
+            </a:r>
+            <a:endParaRPr lang="en-US" sz="4500" dirty="0" smtClean="0">
+              <a:solidFill>
+                <a:schemeClr val="tx2"/>
+              </a:solidFill>
+              <a:latin typeface="Arial" panose="020B0604020202020204" pitchFamily="34" charset="0"/>
+              <a:cs typeface="Arial" panose="020B0604020202020204" pitchFamily="34" charset="0"/>
+            </a:endParaRPr>
           </a:p>
           <a:p>
             <a:pPr>
@@ -12447,7 +12153,7 @@
         </p:blipFill>
         <p:spPr bwMode="auto">
           <a:xfrm>
-            <a:off x="16866158" y="1520014"/>
+            <a:off x="17278295" y="1520014"/>
             <a:ext cx="2669060" cy="2389954"/>
           </a:xfrm>
           <a:prstGeom prst="rect">
@@ -13237,7 +12943,7 @@
           <p:nvPr>
             <p:extLst>
               <p:ext uri="{D42A27DB-BD31-4B8C-83A1-F6EECF244321}">
-                <p14:modId xmlns:p14="http://schemas.microsoft.com/office/powerpoint/2010/main" val="473242593"/>
+                <p14:modId xmlns:p14="http://schemas.microsoft.com/office/powerpoint/2010/main" val="4267988663"/>
               </p:ext>
             </p:extLst>
           </p:nvPr>
